--- a/Paper Notes/ResNetSt/ResNetSt.pptx
+++ b/Paper Notes/ResNetSt/ResNetSt.pptx
@@ -5,12 +5,15 @@
     <p:sldMasterId id="2147483714" r:id="rId1"/>
   </p:sldMasterIdLst>
   <p:notesMasterIdLst>
-    <p:notesMasterId r:id="rId5"/>
+    <p:notesMasterId r:id="rId8"/>
   </p:notesMasterIdLst>
   <p:sldIdLst>
     <p:sldId id="256" r:id="rId2"/>
     <p:sldId id="257" r:id="rId3"/>
     <p:sldId id="258" r:id="rId4"/>
+    <p:sldId id="259" r:id="rId5"/>
+    <p:sldId id="260" r:id="rId6"/>
+    <p:sldId id="261" r:id="rId7"/>
   </p:sldIdLst>
   <p:sldSz cx="12192000" cy="6858000"/>
   <p:notesSz cx="6858000" cy="9144000"/>
@@ -109,6 +112,11 @@
       </a:defRPr>
     </a:lvl9pPr>
   </p:defaultTextStyle>
+  <p:extLst>
+    <p:ext uri="{EFAFB233-063F-42B5-8137-9DF3F51BA10A}">
+      <p15:sldGuideLst xmlns:p15="http://schemas.microsoft.com/office/powerpoint/2012/main"/>
+    </p:ext>
+  </p:extLst>
 </p:presentation>
 </file>
 
@@ -194,7 +202,7 @@
           <a:p>
             <a:fld id="{971DE24A-1033-4F54-9FD1-1366608F124B}" type="datetimeFigureOut">
               <a:rPr lang="zh-CN" altLang="en-US" smtClean="0"/>
-              <a:t>2020/5/27</a:t>
+              <a:t>2020/6/8</a:t>
             </a:fld>
             <a:endParaRPr lang="zh-CN" altLang="en-US"/>
           </a:p>
@@ -561,16 +569,8 @@
 </file>
 
 <file path=ppt/slideLayouts/slideLayout1.xml><?xml version="1.0" encoding="utf-8"?>
-<p:sldLayout xmlns:a="http://schemas.openxmlformats.org/drawingml/2006/main" xmlns:r="http://schemas.openxmlformats.org/officeDocument/2006/relationships" xmlns:p="http://schemas.openxmlformats.org/presentationml/2006/main" showMasterSp="0" type="title" preserve="1">
+<p:sldLayout xmlns:a="http://schemas.openxmlformats.org/drawingml/2006/main" xmlns:r="http://schemas.openxmlformats.org/officeDocument/2006/relationships" xmlns:p="http://schemas.openxmlformats.org/presentationml/2006/main" type="title" preserve="1">
   <p:cSld name="标题幻灯片">
-    <p:bg>
-      <p:bgPr>
-        <a:solidFill>
-          <a:schemeClr val="bg2"/>
-        </a:solidFill>
-        <a:effectLst/>
-      </p:bgPr>
-    </p:bg>
     <p:spTree>
       <p:nvGrpSpPr>
         <p:cNvPr id="1" name=""/>
@@ -729,7 +729,7 @@
           <a:p>
             <a:fld id="{FA2B00D2-BFE6-486E-8CAD-1A2C112EDF16}" type="datetimeFigureOut">
               <a:rPr lang="zh-CN" altLang="en-US" smtClean="0"/>
-              <a:t>2020/5/27</a:t>
+              <a:t>2020/6/8</a:t>
             </a:fld>
             <a:endParaRPr lang="zh-CN" altLang="en-US"/>
           </a:p>
@@ -1059,7 +1059,7 @@
           <a:p>
             <a:fld id="{FA2B00D2-BFE6-486E-8CAD-1A2C112EDF16}" type="datetimeFigureOut">
               <a:rPr lang="zh-CN" altLang="en-US" smtClean="0"/>
-              <a:t>2020/5/27</a:t>
+              <a:t>2020/6/8</a:t>
             </a:fld>
             <a:endParaRPr lang="zh-CN" altLang="en-US"/>
           </a:p>
@@ -1239,7 +1239,7 @@
           <a:p>
             <a:fld id="{FA2B00D2-BFE6-486E-8CAD-1A2C112EDF16}" type="datetimeFigureOut">
               <a:rPr lang="zh-CN" altLang="en-US" smtClean="0"/>
-              <a:t>2020/5/27</a:t>
+              <a:t>2020/6/8</a:t>
             </a:fld>
             <a:endParaRPr lang="zh-CN" altLang="en-US"/>
           </a:p>
@@ -1409,7 +1409,7 @@
           <a:p>
             <a:fld id="{FA2B00D2-BFE6-486E-8CAD-1A2C112EDF16}" type="datetimeFigureOut">
               <a:rPr lang="zh-CN" altLang="en-US" smtClean="0"/>
-              <a:t>2020/5/27</a:t>
+              <a:t>2020/6/8</a:t>
             </a:fld>
             <a:endParaRPr lang="zh-CN" altLang="en-US"/>
           </a:p>
@@ -1471,13 +1471,8 @@
 </file>
 
 <file path=ppt/slideLayouts/slideLayout3.xml><?xml version="1.0" encoding="utf-8"?>
-<p:sldLayout xmlns:a="http://schemas.openxmlformats.org/drawingml/2006/main" xmlns:r="http://schemas.openxmlformats.org/officeDocument/2006/relationships" xmlns:p="http://schemas.openxmlformats.org/presentationml/2006/main" showMasterSp="0" type="secHead" preserve="1">
+<p:sldLayout xmlns:a="http://schemas.openxmlformats.org/drawingml/2006/main" xmlns:r="http://schemas.openxmlformats.org/officeDocument/2006/relationships" xmlns:p="http://schemas.openxmlformats.org/presentationml/2006/main" type="secHead" preserve="1">
   <p:cSld name="节标题">
-    <p:bg>
-      <p:bgRef idx="1001">
-        <a:schemeClr val="bg2"/>
-      </p:bgRef>
-    </p:bg>
     <p:spTree>
       <p:nvGrpSpPr>
         <p:cNvPr id="1" name=""/>
@@ -1686,7 +1681,7 @@
           <a:p>
             <a:fld id="{FA2B00D2-BFE6-486E-8CAD-1A2C112EDF16}" type="datetimeFigureOut">
               <a:rPr lang="zh-CN" altLang="en-US" smtClean="0"/>
-              <a:t>2020/5/27</a:t>
+              <a:t>2020/6/8</a:t>
             </a:fld>
             <a:endParaRPr lang="zh-CN" altLang="en-US"/>
           </a:p>
@@ -2080,7 +2075,7 @@
           <a:p>
             <a:fld id="{FA2B00D2-BFE6-486E-8CAD-1A2C112EDF16}" type="datetimeFigureOut">
               <a:rPr lang="zh-CN" altLang="en-US" smtClean="0"/>
-              <a:t>2020/5/27</a:t>
+              <a:t>2020/6/8</a:t>
             </a:fld>
             <a:endParaRPr lang="zh-CN" altLang="en-US"/>
           </a:p>
@@ -2557,7 +2552,7 @@
           <a:p>
             <a:fld id="{FA2B00D2-BFE6-486E-8CAD-1A2C112EDF16}" type="datetimeFigureOut">
               <a:rPr lang="zh-CN" altLang="en-US" smtClean="0"/>
-              <a:t>2020/5/27</a:t>
+              <a:t>2020/6/8</a:t>
             </a:fld>
             <a:endParaRPr lang="zh-CN" altLang="en-US"/>
           </a:p>
@@ -2675,7 +2670,7 @@
           <a:p>
             <a:fld id="{FA2B00D2-BFE6-486E-8CAD-1A2C112EDF16}" type="datetimeFigureOut">
               <a:rPr lang="zh-CN" altLang="en-US" smtClean="0"/>
-              <a:t>2020/5/27</a:t>
+              <a:t>2020/6/8</a:t>
             </a:fld>
             <a:endParaRPr lang="zh-CN" altLang="en-US"/>
           </a:p>
@@ -2770,7 +2765,7 @@
           <a:p>
             <a:fld id="{FA2B00D2-BFE6-486E-8CAD-1A2C112EDF16}" type="datetimeFigureOut">
               <a:rPr lang="zh-CN" altLang="en-US" smtClean="0"/>
-              <a:t>2020/5/27</a:t>
+              <a:t>2020/6/8</a:t>
             </a:fld>
             <a:endParaRPr lang="zh-CN" altLang="en-US"/>
           </a:p>
@@ -2832,7 +2827,7 @@
 </file>
 
 <file path=ppt/slideLayouts/slideLayout8.xml><?xml version="1.0" encoding="utf-8"?>
-<p:sldLayout xmlns:a="http://schemas.openxmlformats.org/drawingml/2006/main" xmlns:r="http://schemas.openxmlformats.org/officeDocument/2006/relationships" xmlns:p="http://schemas.openxmlformats.org/presentationml/2006/main" showMasterSp="0" type="objTx" preserve="1">
+<p:sldLayout xmlns:a="http://schemas.openxmlformats.org/drawingml/2006/main" xmlns:r="http://schemas.openxmlformats.org/officeDocument/2006/relationships" xmlns:p="http://schemas.openxmlformats.org/presentationml/2006/main" type="objTx" preserve="1">
   <p:cSld name="内容与标题">
     <p:spTree>
       <p:nvGrpSpPr>
@@ -3116,7 +3111,7 @@
           <a:p>
             <a:fld id="{FA2B00D2-BFE6-486E-8CAD-1A2C112EDF16}" type="datetimeFigureOut">
               <a:rPr lang="zh-CN" altLang="en-US" smtClean="0"/>
-              <a:t>2020/5/27</a:t>
+              <a:t>2020/6/8</a:t>
             </a:fld>
             <a:endParaRPr lang="zh-CN" altLang="en-US"/>
           </a:p>
@@ -3242,7 +3237,7 @@
 </file>
 
 <file path=ppt/slideLayouts/slideLayout9.xml><?xml version="1.0" encoding="utf-8"?>
-<p:sldLayout xmlns:a="http://schemas.openxmlformats.org/drawingml/2006/main" xmlns:r="http://schemas.openxmlformats.org/officeDocument/2006/relationships" xmlns:p="http://schemas.openxmlformats.org/presentationml/2006/main" showMasterSp="0" type="picTx" preserve="1">
+<p:sldLayout xmlns:a="http://schemas.openxmlformats.org/drawingml/2006/main" xmlns:r="http://schemas.openxmlformats.org/officeDocument/2006/relationships" xmlns:p="http://schemas.openxmlformats.org/presentationml/2006/main" type="picTx" preserve="1">
   <p:cSld name="图片与标题">
     <p:spTree>
       <p:nvGrpSpPr>
@@ -3504,7 +3499,7 @@
           <a:p>
             <a:fld id="{FA2B00D2-BFE6-486E-8CAD-1A2C112EDF16}" type="datetimeFigureOut">
               <a:rPr lang="zh-CN" altLang="en-US" smtClean="0"/>
-              <a:t>2020/5/27</a:t>
+              <a:t>2020/6/8</a:t>
             </a:fld>
             <a:endParaRPr lang="zh-CN" altLang="en-US"/>
           </a:p>
@@ -3635,7 +3630,7 @@
     <p:bg>
       <p:bgPr>
         <a:solidFill>
-          <a:schemeClr val="bg2"/>
+          <a:schemeClr val="bg1"/>
         </a:solidFill>
         <a:effectLst/>
       </p:bgPr>
@@ -3782,7 +3777,7 @@
           <a:p>
             <a:fld id="{FA2B00D2-BFE6-486E-8CAD-1A2C112EDF16}" type="datetimeFigureOut">
               <a:rPr lang="zh-CN" altLang="en-US" smtClean="0"/>
-              <a:t>2020/5/27</a:t>
+              <a:t>2020/6/8</a:t>
             </a:fld>
             <a:endParaRPr lang="zh-CN" altLang="en-US"/>
           </a:p>
@@ -4228,7 +4223,7 @@
       </a:lvl9pPr>
     </p:otherStyle>
   </p:txStyles>
-  <p:extLst>
+  <p:extLst mod="1">
     <p:ext uri="{27BBF7A9-308A-43DC-89C8-2F10F3537804}">
       <p15:sldGuideLst xmlns:p15="http://schemas.microsoft.com/office/powerpoint/2012/main">
         <p15:guide id="3" orient="horz" pos="1368">
@@ -4315,6 +4310,10 @@
           <a:bodyPr/>
           <a:lstStyle/>
           <a:p>
+            <a:r>
+              <a:rPr lang="en-US" altLang="zh-CN" dirty="0"/>
+              <a:t/>
+            </a:r>
             <a:br>
               <a:rPr lang="en-US" altLang="zh-CN" dirty="0"/>
             </a:br>
@@ -4567,39 +4566,459 @@
           <a:bodyPr/>
           <a:lstStyle/>
           <a:p>
-            <a:endParaRPr lang="zh-CN" altLang="en-US"/>
-          </a:p>
-        </p:txBody>
-      </p:sp>
-      <p:sp>
-        <p:nvSpPr>
-          <p:cNvPr id="3" name="内容占位符 2">
+            <a:r>
+              <a:rPr lang="zh-CN" altLang="en-US" b="1" dirty="0"/>
+              <a:t>借鉴</a:t>
+            </a:r>
+            <a:r>
+              <a:rPr lang="en-US" altLang="zh-CN" b="1" dirty="0" err="1" smtClean="0"/>
+              <a:t>ResNeXt</a:t>
+            </a:r>
+            <a:endParaRPr lang="zh-CN" altLang="en-US" dirty="0"/>
+          </a:p>
+        </p:txBody>
+      </p:sp>
+      <p:sp>
+        <p:nvSpPr>
+          <p:cNvPr id="4" name="内容占位符 3"/>
+          <p:cNvSpPr>
+            <a:spLocks noGrp="1"/>
+          </p:cNvSpPr>
+          <p:nvPr>
+            <p:ph idx="1"/>
+          </p:nvPr>
+        </p:nvSpPr>
+        <p:spPr/>
+        <p:txBody>
+          <a:bodyPr/>
+          <a:lstStyle/>
+          <a:p>
+            <a:r>
+              <a:rPr lang="en-US" altLang="zh-CN" dirty="0" smtClean="0"/>
+              <a:t>split-transform-merge</a:t>
+            </a:r>
+            <a:r>
+              <a:rPr lang="zh-CN" altLang="en-US" dirty="0" smtClean="0"/>
+              <a:t>：</a:t>
+            </a:r>
+            <a:r>
+              <a:rPr lang="zh-CN" altLang="en-US" dirty="0"/>
+              <a:t>先将输入分配到多路，然后每一路进行转换，最后再把所有支路的结果融合</a:t>
+            </a:r>
+          </a:p>
+        </p:txBody>
+      </p:sp>
+      <p:pic>
+        <p:nvPicPr>
+          <p:cNvPr id="1028" name="Picture 4" descr="preview"/>
+          <p:cNvPicPr>
+            <a:picLocks noChangeAspect="1" noChangeArrowheads="1"/>
+          </p:cNvPicPr>
+          <p:nvPr/>
+        </p:nvPicPr>
+        <p:blipFill>
+          <a:blip r:embed="rId2">
             <a:extLst>
-              <a:ext uri="{FF2B5EF4-FFF2-40B4-BE49-F238E27FC236}">
-                <a16:creationId xmlns:a16="http://schemas.microsoft.com/office/drawing/2014/main" id="{2AD64319-8080-4DA4-B087-0A5B5976E90B}"/>
+              <a:ext uri="{28A0092B-C50C-407E-A947-70E740481C1C}">
+                <a14:useLocalDpi xmlns:a14="http://schemas.microsoft.com/office/drawing/2010/main" val="0"/>
               </a:ext>
             </a:extLst>
-          </p:cNvPr>
-          <p:cNvSpPr>
-            <a:spLocks noGrp="1"/>
-          </p:cNvSpPr>
-          <p:nvPr>
-            <p:ph idx="1"/>
-          </p:nvPr>
-        </p:nvSpPr>
-        <p:spPr/>
-        <p:txBody>
-          <a:bodyPr/>
-          <a:lstStyle/>
-          <a:p>
-            <a:endParaRPr lang="zh-CN" altLang="en-US"/>
-          </a:p>
-        </p:txBody>
-      </p:sp>
+          </a:blip>
+          <a:srcRect/>
+          <a:stretch>
+            <a:fillRect/>
+          </a:stretch>
+        </p:blipFill>
+        <p:spPr bwMode="auto">
+          <a:xfrm>
+            <a:off x="1371600" y="3025092"/>
+            <a:ext cx="7566025" cy="3646421"/>
+          </a:xfrm>
+          <a:prstGeom prst="rect">
+            <a:avLst/>
+          </a:prstGeom>
+          <a:noFill/>
+          <a:extLst>
+            <a:ext uri="{909E8E84-426E-40DD-AFC4-6F175D3DCCD1}">
+              <a14:hiddenFill xmlns:a14="http://schemas.microsoft.com/office/drawing/2010/main">
+                <a:solidFill>
+                  <a:srgbClr val="FFFFFF"/>
+                </a:solidFill>
+              </a14:hiddenFill>
+            </a:ext>
+          </a:extLst>
+        </p:spPr>
+      </p:pic>
+      <p:pic>
+        <p:nvPicPr>
+          <p:cNvPr id="1030" name="Picture 6" descr="https://pic2.zhimg.com/80/v2-692eaa423d0eb506180cebda9b0f52cd_720w.jpg"/>
+          <p:cNvPicPr>
+            <a:picLocks noChangeAspect="1" noChangeArrowheads="1"/>
+          </p:cNvPicPr>
+          <p:nvPr/>
+        </p:nvPicPr>
+        <p:blipFill>
+          <a:blip r:embed="rId3">
+            <a:extLst>
+              <a:ext uri="{28A0092B-C50C-407E-A947-70E740481C1C}">
+                <a14:useLocalDpi xmlns:a14="http://schemas.microsoft.com/office/drawing/2010/main" val="0"/>
+              </a:ext>
+            </a:extLst>
+          </a:blip>
+          <a:srcRect/>
+          <a:stretch>
+            <a:fillRect/>
+          </a:stretch>
+        </p:blipFill>
+        <p:spPr bwMode="auto">
+          <a:xfrm>
+            <a:off x="8770938" y="4153849"/>
+            <a:ext cx="3219450" cy="1343026"/>
+          </a:xfrm>
+          <a:prstGeom prst="rect">
+            <a:avLst/>
+          </a:prstGeom>
+          <a:noFill/>
+          <a:extLst>
+            <a:ext uri="{909E8E84-426E-40DD-AFC4-6F175D3DCCD1}">
+              <a14:hiddenFill xmlns:a14="http://schemas.microsoft.com/office/drawing/2010/main">
+                <a:solidFill>
+                  <a:srgbClr val="FFFFFF"/>
+                </a:solidFill>
+              </a14:hiddenFill>
+            </a:ext>
+          </a:extLst>
+        </p:spPr>
+      </p:pic>
     </p:spTree>
     <p:extLst>
       <p:ext uri="{BB962C8B-B14F-4D97-AF65-F5344CB8AC3E}">
         <p14:creationId xmlns:p14="http://schemas.microsoft.com/office/powerpoint/2010/main" val="3423397106"/>
+      </p:ext>
+    </p:extLst>
+  </p:cSld>
+  <p:clrMapOvr>
+    <a:masterClrMapping/>
+  </p:clrMapOvr>
+</p:sld>
+</file>
+
+<file path=ppt/slides/slide4.xml><?xml version="1.0" encoding="utf-8"?>
+<p:sld xmlns:a="http://schemas.openxmlformats.org/drawingml/2006/main" xmlns:r="http://schemas.openxmlformats.org/officeDocument/2006/relationships" xmlns:p="http://schemas.openxmlformats.org/presentationml/2006/main">
+  <p:cSld>
+    <p:spTree>
+      <p:nvGrpSpPr>
+        <p:cNvPr id="1" name=""/>
+        <p:cNvGrpSpPr/>
+        <p:nvPr/>
+      </p:nvGrpSpPr>
+      <p:grpSpPr>
+        <a:xfrm>
+          <a:off x="0" y="0"/>
+          <a:ext cx="0" cy="0"/>
+          <a:chOff x="0" y="0"/>
+          <a:chExt cx="0" cy="0"/>
+        </a:xfrm>
+      </p:grpSpPr>
+      <p:sp>
+        <p:nvSpPr>
+          <p:cNvPr id="2" name="标题 1"/>
+          <p:cNvSpPr>
+            <a:spLocks noGrp="1"/>
+          </p:cNvSpPr>
+          <p:nvPr>
+            <p:ph type="title"/>
+          </p:nvPr>
+        </p:nvSpPr>
+        <p:spPr/>
+        <p:txBody>
+          <a:bodyPr/>
+          <a:lstStyle/>
+          <a:p>
+            <a:r>
+              <a:rPr lang="zh-CN" altLang="en-US" b="1" dirty="0"/>
+              <a:t>借鉴</a:t>
+            </a:r>
+            <a:r>
+              <a:rPr lang="en-US" altLang="zh-CN" b="1" dirty="0" err="1"/>
+              <a:t>ResNeXt</a:t>
+            </a:r>
+            <a:endParaRPr lang="zh-CN" altLang="en-US" dirty="0"/>
+          </a:p>
+        </p:txBody>
+      </p:sp>
+      <p:sp>
+        <p:nvSpPr>
+          <p:cNvPr id="3" name="内容占位符 2"/>
+          <p:cNvSpPr>
+            <a:spLocks noGrp="1"/>
+          </p:cNvSpPr>
+          <p:nvPr>
+            <p:ph idx="1"/>
+          </p:nvPr>
+        </p:nvSpPr>
+        <p:spPr/>
+        <p:txBody>
+          <a:bodyPr/>
+          <a:lstStyle/>
+          <a:p>
+            <a:r>
+              <a:rPr lang="zh-CN" altLang="en-US" dirty="0"/>
+              <a:t>三种</a:t>
+            </a:r>
+            <a:r>
+              <a:rPr lang="en-US" altLang="zh-CN" dirty="0" err="1"/>
+              <a:t>ResNeXt</a:t>
+            </a:r>
+            <a:r>
+              <a:rPr lang="zh-CN" altLang="en-US" dirty="0"/>
+              <a:t>网络模块的变形。它们在数学计算上是完全等价</a:t>
+            </a:r>
+          </a:p>
+        </p:txBody>
+      </p:sp>
+      <p:pic>
+        <p:nvPicPr>
+          <p:cNvPr id="2050" name="Picture 2" descr="https://pic2.zhimg.com/80/v2-324282edcbfbd476fbe406c5fddb8dfd_720w.jpg"/>
+          <p:cNvPicPr>
+            <a:picLocks noChangeAspect="1" noChangeArrowheads="1"/>
+          </p:cNvPicPr>
+          <p:nvPr/>
+        </p:nvPicPr>
+        <p:blipFill>
+          <a:blip r:embed="rId2">
+            <a:extLst>
+              <a:ext uri="{28A0092B-C50C-407E-A947-70E740481C1C}">
+                <a14:useLocalDpi xmlns:a14="http://schemas.microsoft.com/office/drawing/2010/main" val="0"/>
+              </a:ext>
+            </a:extLst>
+          </a:blip>
+          <a:srcRect/>
+          <a:stretch>
+            <a:fillRect/>
+          </a:stretch>
+        </p:blipFill>
+        <p:spPr bwMode="auto">
+          <a:xfrm>
+            <a:off x="1311828" y="2605087"/>
+            <a:ext cx="9720743" cy="2943225"/>
+          </a:xfrm>
+          <a:prstGeom prst="rect">
+            <a:avLst/>
+          </a:prstGeom>
+          <a:noFill/>
+          <a:extLst>
+            <a:ext uri="{909E8E84-426E-40DD-AFC4-6F175D3DCCD1}">
+              <a14:hiddenFill xmlns:a14="http://schemas.microsoft.com/office/drawing/2010/main">
+                <a:solidFill>
+                  <a:srgbClr val="FFFFFF"/>
+                </a:solidFill>
+              </a14:hiddenFill>
+            </a:ext>
+          </a:extLst>
+        </p:spPr>
+      </p:pic>
+    </p:spTree>
+    <p:extLst>
+      <p:ext uri="{BB962C8B-B14F-4D97-AF65-F5344CB8AC3E}">
+        <p14:creationId xmlns:p14="http://schemas.microsoft.com/office/powerpoint/2010/main" val="2517714853"/>
+      </p:ext>
+    </p:extLst>
+  </p:cSld>
+  <p:clrMapOvr>
+    <a:masterClrMapping/>
+  </p:clrMapOvr>
+</p:sld>
+</file>
+
+<file path=ppt/slides/slide5.xml><?xml version="1.0" encoding="utf-8"?>
+<p:sld xmlns:a="http://schemas.openxmlformats.org/drawingml/2006/main" xmlns:r="http://schemas.openxmlformats.org/officeDocument/2006/relationships" xmlns:p="http://schemas.openxmlformats.org/presentationml/2006/main">
+  <p:cSld>
+    <p:spTree>
+      <p:nvGrpSpPr>
+        <p:cNvPr id="1" name=""/>
+        <p:cNvGrpSpPr/>
+        <p:nvPr/>
+      </p:nvGrpSpPr>
+      <p:grpSpPr>
+        <a:xfrm>
+          <a:off x="0" y="0"/>
+          <a:ext cx="0" cy="0"/>
+          <a:chOff x="0" y="0"/>
+          <a:chExt cx="0" cy="0"/>
+        </a:xfrm>
+      </p:grpSpPr>
+      <p:sp>
+        <p:nvSpPr>
+          <p:cNvPr id="2" name="标题 1"/>
+          <p:cNvSpPr>
+            <a:spLocks noGrp="1"/>
+          </p:cNvSpPr>
+          <p:nvPr>
+            <p:ph type="title"/>
+          </p:nvPr>
+        </p:nvSpPr>
+        <p:spPr/>
+        <p:txBody>
+          <a:bodyPr/>
+          <a:lstStyle/>
+          <a:p>
+            <a:r>
+              <a:rPr lang="zh-CN" altLang="en-US" b="1" dirty="0"/>
+              <a:t>借鉴</a:t>
+            </a:r>
+            <a:r>
+              <a:rPr lang="en-US" altLang="zh-CN" b="1" dirty="0" err="1"/>
+              <a:t>ResNeXt</a:t>
+            </a:r>
+            <a:endParaRPr lang="zh-CN" altLang="en-US" dirty="0"/>
+          </a:p>
+        </p:txBody>
+      </p:sp>
+      <p:sp>
+        <p:nvSpPr>
+          <p:cNvPr id="3" name="内容占位符 2"/>
+          <p:cNvSpPr>
+            <a:spLocks noGrp="1"/>
+          </p:cNvSpPr>
+          <p:nvPr>
+            <p:ph idx="1"/>
+          </p:nvPr>
+        </p:nvSpPr>
+        <p:spPr/>
+        <p:txBody>
+          <a:bodyPr/>
+          <a:lstStyle/>
+          <a:p>
+            <a:r>
+              <a:rPr lang="zh-CN" altLang="en-US" dirty="0" smtClean="0"/>
+              <a:t>介于</a:t>
+            </a:r>
+            <a:r>
+              <a:rPr lang="zh-CN" altLang="en-US" dirty="0"/>
+              <a:t>普通</a:t>
+            </a:r>
+            <a:r>
+              <a:rPr lang="zh-CN" altLang="en-US" dirty="0" smtClean="0"/>
+              <a:t>卷积和深度</a:t>
+            </a:r>
+            <a:r>
+              <a:rPr lang="zh-CN" altLang="en-US" dirty="0"/>
+              <a:t>可分离卷积的这种策略：分组卷积，他通过控制分组的数量（基数）来达到两种策略的平衡</a:t>
+            </a:r>
+            <a:r>
+              <a:rPr lang="zh-CN" altLang="en-US" dirty="0" smtClean="0"/>
+              <a:t>。</a:t>
+            </a:r>
+            <a:endParaRPr lang="en-US" altLang="zh-CN" dirty="0" smtClean="0"/>
+          </a:p>
+          <a:p>
+            <a:r>
+              <a:rPr lang="zh-CN" altLang="en-US" dirty="0"/>
+              <a:t>用一种平行堆叠相同拓扑结构的</a:t>
+            </a:r>
+            <a:r>
+              <a:rPr lang="en-US" altLang="zh-CN" dirty="0"/>
+              <a:t>blocks</a:t>
+            </a:r>
+            <a:r>
+              <a:rPr lang="zh-CN" altLang="en-US" dirty="0"/>
+              <a:t>代替原来 </a:t>
+            </a:r>
+            <a:r>
+              <a:rPr lang="en-US" altLang="zh-CN" dirty="0" err="1"/>
+              <a:t>ResNet</a:t>
+            </a:r>
+            <a:r>
+              <a:rPr lang="en-US" altLang="zh-CN" dirty="0"/>
+              <a:t> </a:t>
+            </a:r>
+            <a:r>
+              <a:rPr lang="zh-CN" altLang="en-US" dirty="0"/>
+              <a:t>的三层卷积的</a:t>
+            </a:r>
+            <a:r>
+              <a:rPr lang="en-US" altLang="zh-CN" dirty="0"/>
+              <a:t>block</a:t>
+            </a:r>
+          </a:p>
+          <a:p>
+            <a:endParaRPr lang="zh-CN" altLang="en-US" dirty="0"/>
+          </a:p>
+        </p:txBody>
+      </p:sp>
+    </p:spTree>
+    <p:extLst>
+      <p:ext uri="{BB962C8B-B14F-4D97-AF65-F5344CB8AC3E}">
+        <p14:creationId xmlns:p14="http://schemas.microsoft.com/office/powerpoint/2010/main" val="2208898333"/>
+      </p:ext>
+    </p:extLst>
+  </p:cSld>
+  <p:clrMapOvr>
+    <a:masterClrMapping/>
+  </p:clrMapOvr>
+</p:sld>
+</file>
+
+<file path=ppt/slides/slide6.xml><?xml version="1.0" encoding="utf-8"?>
+<p:sld xmlns:a="http://schemas.openxmlformats.org/drawingml/2006/main" xmlns:r="http://schemas.openxmlformats.org/officeDocument/2006/relationships" xmlns:p="http://schemas.openxmlformats.org/presentationml/2006/main">
+  <p:cSld>
+    <p:spTree>
+      <p:nvGrpSpPr>
+        <p:cNvPr id="1" name=""/>
+        <p:cNvGrpSpPr/>
+        <p:nvPr/>
+      </p:nvGrpSpPr>
+      <p:grpSpPr>
+        <a:xfrm>
+          <a:off x="0" y="0"/>
+          <a:ext cx="0" cy="0"/>
+          <a:chOff x="0" y="0"/>
+          <a:chExt cx="0" cy="0"/>
+        </a:xfrm>
+      </p:grpSpPr>
+      <p:sp>
+        <p:nvSpPr>
+          <p:cNvPr id="2" name="标题 1"/>
+          <p:cNvSpPr>
+            <a:spLocks noGrp="1"/>
+          </p:cNvSpPr>
+          <p:nvPr>
+            <p:ph type="title"/>
+          </p:nvPr>
+        </p:nvSpPr>
+        <p:spPr/>
+        <p:txBody>
+          <a:bodyPr/>
+          <a:lstStyle/>
+          <a:p>
+            <a:endParaRPr lang="zh-CN" altLang="en-US"/>
+          </a:p>
+        </p:txBody>
+      </p:sp>
+      <p:sp>
+        <p:nvSpPr>
+          <p:cNvPr id="3" name="内容占位符 2"/>
+          <p:cNvSpPr>
+            <a:spLocks noGrp="1"/>
+          </p:cNvSpPr>
+          <p:nvPr>
+            <p:ph idx="1"/>
+          </p:nvPr>
+        </p:nvSpPr>
+        <p:spPr/>
+        <p:txBody>
+          <a:bodyPr/>
+          <a:lstStyle/>
+          <a:p>
+            <a:endParaRPr lang="zh-CN" altLang="en-US"/>
+          </a:p>
+        </p:txBody>
+      </p:sp>
+    </p:spTree>
+    <p:extLst>
+      <p:ext uri="{BB962C8B-B14F-4D97-AF65-F5344CB8AC3E}">
+        <p14:creationId xmlns:p14="http://schemas.microsoft.com/office/powerpoint/2010/main" val="2421746522"/>
       </p:ext>
     </p:extLst>
   </p:cSld>

--- a/Paper Notes/ResNetSt/ResNetSt.pptx
+++ b/Paper Notes/ResNetSt/ResNetSt.pptx
@@ -5,15 +5,22 @@
     <p:sldMasterId id="2147483714" r:id="rId1"/>
   </p:sldMasterIdLst>
   <p:notesMasterIdLst>
-    <p:notesMasterId r:id="rId8"/>
+    <p:notesMasterId r:id="rId15"/>
   </p:notesMasterIdLst>
   <p:sldIdLst>
     <p:sldId id="256" r:id="rId2"/>
     <p:sldId id="257" r:id="rId3"/>
-    <p:sldId id="258" r:id="rId4"/>
-    <p:sldId id="259" r:id="rId5"/>
-    <p:sldId id="260" r:id="rId6"/>
-    <p:sldId id="261" r:id="rId7"/>
+    <p:sldId id="260" r:id="rId4"/>
+    <p:sldId id="258" r:id="rId5"/>
+    <p:sldId id="261" r:id="rId6"/>
+    <p:sldId id="263" r:id="rId7"/>
+    <p:sldId id="262" r:id="rId8"/>
+    <p:sldId id="264" r:id="rId9"/>
+    <p:sldId id="265" r:id="rId10"/>
+    <p:sldId id="266" r:id="rId11"/>
+    <p:sldId id="267" r:id="rId12"/>
+    <p:sldId id="268" r:id="rId13"/>
+    <p:sldId id="269" r:id="rId14"/>
   </p:sldIdLst>
   <p:sldSz cx="12192000" cy="6858000"/>
   <p:notesSz cx="6858000" cy="9144000"/>
@@ -202,7 +209,7 @@
           <a:p>
             <a:fld id="{971DE24A-1033-4F54-9FD1-1366608F124B}" type="datetimeFigureOut">
               <a:rPr lang="zh-CN" altLang="en-US" smtClean="0"/>
-              <a:t>2020/6/8</a:t>
+              <a:t>2020/6/9</a:t>
             </a:fld>
             <a:endParaRPr lang="zh-CN" altLang="en-US"/>
           </a:p>
@@ -729,7 +736,7 @@
           <a:p>
             <a:fld id="{FA2B00D2-BFE6-486E-8CAD-1A2C112EDF16}" type="datetimeFigureOut">
               <a:rPr lang="zh-CN" altLang="en-US" smtClean="0"/>
-              <a:t>2020/6/8</a:t>
+              <a:t>2020/6/9</a:t>
             </a:fld>
             <a:endParaRPr lang="zh-CN" altLang="en-US"/>
           </a:p>
@@ -1059,7 +1066,7 @@
           <a:p>
             <a:fld id="{FA2B00D2-BFE6-486E-8CAD-1A2C112EDF16}" type="datetimeFigureOut">
               <a:rPr lang="zh-CN" altLang="en-US" smtClean="0"/>
-              <a:t>2020/6/8</a:t>
+              <a:t>2020/6/9</a:t>
             </a:fld>
             <a:endParaRPr lang="zh-CN" altLang="en-US"/>
           </a:p>
@@ -1239,7 +1246,7 @@
           <a:p>
             <a:fld id="{FA2B00D2-BFE6-486E-8CAD-1A2C112EDF16}" type="datetimeFigureOut">
               <a:rPr lang="zh-CN" altLang="en-US" smtClean="0"/>
-              <a:t>2020/6/8</a:t>
+              <a:t>2020/6/9</a:t>
             </a:fld>
             <a:endParaRPr lang="zh-CN" altLang="en-US"/>
           </a:p>
@@ -1409,7 +1416,7 @@
           <a:p>
             <a:fld id="{FA2B00D2-BFE6-486E-8CAD-1A2C112EDF16}" type="datetimeFigureOut">
               <a:rPr lang="zh-CN" altLang="en-US" smtClean="0"/>
-              <a:t>2020/6/8</a:t>
+              <a:t>2020/6/9</a:t>
             </a:fld>
             <a:endParaRPr lang="zh-CN" altLang="en-US"/>
           </a:p>
@@ -1681,7 +1688,7 @@
           <a:p>
             <a:fld id="{FA2B00D2-BFE6-486E-8CAD-1A2C112EDF16}" type="datetimeFigureOut">
               <a:rPr lang="zh-CN" altLang="en-US" smtClean="0"/>
-              <a:t>2020/6/8</a:t>
+              <a:t>2020/6/9</a:t>
             </a:fld>
             <a:endParaRPr lang="zh-CN" altLang="en-US"/>
           </a:p>
@@ -2075,7 +2082,7 @@
           <a:p>
             <a:fld id="{FA2B00D2-BFE6-486E-8CAD-1A2C112EDF16}" type="datetimeFigureOut">
               <a:rPr lang="zh-CN" altLang="en-US" smtClean="0"/>
-              <a:t>2020/6/8</a:t>
+              <a:t>2020/6/9</a:t>
             </a:fld>
             <a:endParaRPr lang="zh-CN" altLang="en-US"/>
           </a:p>
@@ -2552,7 +2559,7 @@
           <a:p>
             <a:fld id="{FA2B00D2-BFE6-486E-8CAD-1A2C112EDF16}" type="datetimeFigureOut">
               <a:rPr lang="zh-CN" altLang="en-US" smtClean="0"/>
-              <a:t>2020/6/8</a:t>
+              <a:t>2020/6/9</a:t>
             </a:fld>
             <a:endParaRPr lang="zh-CN" altLang="en-US"/>
           </a:p>
@@ -2670,7 +2677,7 @@
           <a:p>
             <a:fld id="{FA2B00D2-BFE6-486E-8CAD-1A2C112EDF16}" type="datetimeFigureOut">
               <a:rPr lang="zh-CN" altLang="en-US" smtClean="0"/>
-              <a:t>2020/6/8</a:t>
+              <a:t>2020/6/9</a:t>
             </a:fld>
             <a:endParaRPr lang="zh-CN" altLang="en-US"/>
           </a:p>
@@ -2765,7 +2772,7 @@
           <a:p>
             <a:fld id="{FA2B00D2-BFE6-486E-8CAD-1A2C112EDF16}" type="datetimeFigureOut">
               <a:rPr lang="zh-CN" altLang="en-US" smtClean="0"/>
-              <a:t>2020/6/8</a:t>
+              <a:t>2020/6/9</a:t>
             </a:fld>
             <a:endParaRPr lang="zh-CN" altLang="en-US"/>
           </a:p>
@@ -3111,7 +3118,7 @@
           <a:p>
             <a:fld id="{FA2B00D2-BFE6-486E-8CAD-1A2C112EDF16}" type="datetimeFigureOut">
               <a:rPr lang="zh-CN" altLang="en-US" smtClean="0"/>
-              <a:t>2020/6/8</a:t>
+              <a:t>2020/6/9</a:t>
             </a:fld>
             <a:endParaRPr lang="zh-CN" altLang="en-US"/>
           </a:p>
@@ -3499,7 +3506,7 @@
           <a:p>
             <a:fld id="{FA2B00D2-BFE6-486E-8CAD-1A2C112EDF16}" type="datetimeFigureOut">
               <a:rPr lang="zh-CN" altLang="en-US" smtClean="0"/>
-              <a:t>2020/6/8</a:t>
+              <a:t>2020/6/9</a:t>
             </a:fld>
             <a:endParaRPr lang="zh-CN" altLang="en-US"/>
           </a:p>
@@ -3777,7 +3784,7 @@
           <a:p>
             <a:fld id="{FA2B00D2-BFE6-486E-8CAD-1A2C112EDF16}" type="datetimeFigureOut">
               <a:rPr lang="zh-CN" altLang="en-US" smtClean="0"/>
-              <a:t>2020/6/8</a:t>
+              <a:t>2020/6/9</a:t>
             </a:fld>
             <a:endParaRPr lang="zh-CN" altLang="en-US"/>
           </a:p>
@@ -4375,6 +4382,753 @@
   <p:clrMapOvr>
     <a:masterClrMapping/>
   </p:clrMapOvr>
+  <p:timing>
+    <p:tnLst>
+      <p:par>
+        <p:cTn id="1" dur="indefinite" restart="never" nodeType="tmRoot"/>
+      </p:par>
+    </p:tnLst>
+  </p:timing>
+</p:sld>
+</file>
+
+<file path=ppt/slides/slide10.xml><?xml version="1.0" encoding="utf-8"?>
+<p:sld xmlns:a="http://schemas.openxmlformats.org/drawingml/2006/main" xmlns:r="http://schemas.openxmlformats.org/officeDocument/2006/relationships" xmlns:p="http://schemas.openxmlformats.org/presentationml/2006/main">
+  <p:cSld>
+    <p:spTree>
+      <p:nvGrpSpPr>
+        <p:cNvPr id="1" name=""/>
+        <p:cNvGrpSpPr/>
+        <p:nvPr/>
+      </p:nvGrpSpPr>
+      <p:grpSpPr>
+        <a:xfrm>
+          <a:off x="0" y="0"/>
+          <a:ext cx="0" cy="0"/>
+          <a:chOff x="0" y="0"/>
+          <a:chExt cx="0" cy="0"/>
+        </a:xfrm>
+      </p:grpSpPr>
+      <p:sp>
+        <p:nvSpPr>
+          <p:cNvPr id="2" name="标题 1"/>
+          <p:cNvSpPr>
+            <a:spLocks noGrp="1"/>
+          </p:cNvSpPr>
+          <p:nvPr>
+            <p:ph type="title"/>
+          </p:nvPr>
+        </p:nvSpPr>
+        <p:spPr/>
+        <p:txBody>
+          <a:bodyPr/>
+          <a:lstStyle/>
+          <a:p>
+            <a:r>
+              <a:rPr lang="en-US" altLang="zh-CN" dirty="0" err="1" smtClean="0"/>
+              <a:t>ResNeSt</a:t>
+            </a:r>
+            <a:r>
+              <a:rPr lang="zh-CN" altLang="en-US" dirty="0" smtClean="0"/>
+              <a:t>模块单元的具体实现</a:t>
+            </a:r>
+            <a:endParaRPr lang="zh-CN" altLang="en-US" dirty="0"/>
+          </a:p>
+        </p:txBody>
+      </p:sp>
+      <p:sp>
+        <p:nvSpPr>
+          <p:cNvPr id="3" name="内容占位符 2"/>
+          <p:cNvSpPr>
+            <a:spLocks noGrp="1"/>
+          </p:cNvSpPr>
+          <p:nvPr>
+            <p:ph idx="1"/>
+          </p:nvPr>
+        </p:nvSpPr>
+        <p:spPr/>
+        <p:txBody>
+          <a:bodyPr>
+            <a:normAutofit/>
+          </a:bodyPr>
+          <a:lstStyle/>
+          <a:p>
+            <a:r>
+              <a:rPr lang="zh-CN" altLang="en-US" sz="1400" dirty="0"/>
+              <a:t>首先将输入</a:t>
+            </a:r>
+            <a:r>
+              <a:rPr lang="en-US" altLang="zh-CN" sz="1400" dirty="0"/>
+              <a:t>feature map</a:t>
+            </a:r>
+            <a:r>
+              <a:rPr lang="zh-CN" altLang="en-US" sz="1400" dirty="0"/>
+              <a:t>分为 </a:t>
+            </a:r>
+            <a:r>
+              <a:rPr lang="en-US" altLang="zh-CN" sz="1400" dirty="0"/>
+              <a:t>RK </a:t>
+            </a:r>
+            <a:r>
+              <a:rPr lang="zh-CN" altLang="en-US" sz="1400" dirty="0" smtClean="0"/>
+              <a:t>组</a:t>
+            </a:r>
+            <a:endParaRPr lang="en-US" altLang="zh-CN" sz="1400" dirty="0" smtClean="0"/>
+          </a:p>
+          <a:p>
+            <a:r>
+              <a:rPr lang="zh-CN" altLang="en-US" sz="1400" dirty="0" smtClean="0"/>
+              <a:t>每个</a:t>
+            </a:r>
+            <a:r>
+              <a:rPr lang="zh-CN" altLang="en-US" sz="1400" dirty="0"/>
+              <a:t>组都有一个</a:t>
+            </a:r>
+            <a:r>
+              <a:rPr lang="en-US" altLang="zh-CN" sz="1400" dirty="0"/>
+              <a:t>cardinality-index</a:t>
+            </a:r>
+            <a:r>
+              <a:rPr lang="zh-CN" altLang="en-US" sz="1400" dirty="0"/>
+              <a:t>和</a:t>
+            </a:r>
+            <a:r>
+              <a:rPr lang="en-US" altLang="zh-CN" sz="1400" dirty="0" smtClean="0"/>
+              <a:t>radix-index</a:t>
+            </a:r>
+            <a:endParaRPr lang="en-US" altLang="zh-CN" sz="1400" dirty="0"/>
+          </a:p>
+          <a:p>
+            <a:r>
+              <a:rPr lang="zh-CN" altLang="en-US" sz="1400" dirty="0"/>
+              <a:t>对不同的</a:t>
+            </a:r>
+            <a:r>
+              <a:rPr lang="en-US" altLang="zh-CN" sz="1400" dirty="0"/>
+              <a:t>splits</a:t>
+            </a:r>
+            <a:r>
+              <a:rPr lang="zh-CN" altLang="en-US" sz="1400" dirty="0"/>
+              <a:t>进行求和</a:t>
+            </a:r>
+            <a:r>
+              <a:rPr lang="zh-CN" altLang="en-US" sz="1400" dirty="0" smtClean="0"/>
+              <a:t>，将</a:t>
+            </a:r>
+            <a:r>
+              <a:rPr lang="en-US" altLang="zh-CN" sz="1400" dirty="0"/>
+              <a:t>cardinality-index</a:t>
+            </a:r>
+            <a:r>
+              <a:rPr lang="zh-CN" altLang="en-US" sz="1400" dirty="0" smtClean="0"/>
+              <a:t>相同</a:t>
+            </a:r>
+            <a:endParaRPr lang="en-US" altLang="zh-CN" sz="1400" dirty="0" smtClean="0"/>
+          </a:p>
+          <a:p>
+            <a:pPr marL="0" indent="0">
+              <a:buNone/>
+            </a:pPr>
+            <a:r>
+              <a:rPr lang="zh-CN" altLang="en-US" sz="1400" dirty="0" smtClean="0"/>
+              <a:t>，</a:t>
+            </a:r>
+            <a:r>
+              <a:rPr lang="zh-CN" altLang="en-US" sz="1400" dirty="0"/>
+              <a:t>但</a:t>
+            </a:r>
+            <a:r>
+              <a:rPr lang="en-US" altLang="zh-CN" sz="1400" dirty="0"/>
+              <a:t>radix-index</a:t>
+            </a:r>
+            <a:r>
+              <a:rPr lang="zh-CN" altLang="en-US" sz="1400" dirty="0"/>
+              <a:t>不同的特征图组融合在</a:t>
+            </a:r>
+            <a:r>
+              <a:rPr lang="zh-CN" altLang="en-US" sz="1400" dirty="0" smtClean="0"/>
+              <a:t>一起</a:t>
+            </a:r>
+            <a:endParaRPr lang="en-US" altLang="zh-CN" sz="1400" dirty="0" smtClean="0"/>
+          </a:p>
+          <a:p>
+            <a:r>
+              <a:rPr lang="zh-CN" altLang="en-US" sz="1400" dirty="0" smtClean="0"/>
+              <a:t>全局池</a:t>
+            </a:r>
+            <a:r>
+              <a:rPr lang="zh-CN" altLang="en-US" sz="1400" dirty="0"/>
+              <a:t>化层在空间维上聚合，同时保持通道维</a:t>
+            </a:r>
+            <a:r>
+              <a:rPr lang="zh-CN" altLang="en-US" sz="1400" dirty="0" smtClean="0"/>
+              <a:t>分离</a:t>
+            </a:r>
+            <a:endParaRPr lang="en-US" altLang="zh-CN" sz="1400" dirty="0" smtClean="0"/>
+          </a:p>
+          <a:p>
+            <a:r>
+              <a:rPr lang="zh-CN" altLang="en-US" sz="1400" dirty="0"/>
+              <a:t>池化层之后添加两个连续的全</a:t>
+            </a:r>
+            <a:r>
+              <a:rPr lang="zh-CN" altLang="en-US" sz="1400" dirty="0" smtClean="0"/>
+              <a:t>连接</a:t>
+            </a:r>
+            <a:r>
+              <a:rPr lang="zh-CN" altLang="en-US" sz="1400" dirty="0"/>
+              <a:t>（</a:t>
+            </a:r>
+            <a:r>
+              <a:rPr lang="en-US" altLang="zh-CN" sz="1400" dirty="0"/>
+              <a:t>FC</a:t>
+            </a:r>
+            <a:r>
+              <a:rPr lang="zh-CN" altLang="en-US" sz="1400" dirty="0"/>
+              <a:t>）层</a:t>
+            </a:r>
+            <a:r>
+              <a:rPr lang="zh-CN" altLang="en-US" sz="1400" dirty="0" smtClean="0"/>
+              <a:t>，</a:t>
+            </a:r>
+            <a:endParaRPr lang="en-US" altLang="zh-CN" sz="1400" dirty="0" smtClean="0"/>
+          </a:p>
+          <a:p>
+            <a:pPr marL="0" indent="0">
+              <a:buNone/>
+            </a:pPr>
+            <a:r>
+              <a:rPr lang="zh-CN" altLang="en-US" sz="1400" dirty="0" smtClean="0"/>
+              <a:t>预测</a:t>
+            </a:r>
+            <a:r>
+              <a:rPr lang="zh-CN" altLang="en-US" sz="1400" dirty="0"/>
+              <a:t>每个</a:t>
+            </a:r>
+            <a:r>
+              <a:rPr lang="en-US" altLang="zh-CN" sz="1400" dirty="0"/>
+              <a:t>splits</a:t>
+            </a:r>
+            <a:r>
+              <a:rPr lang="zh-CN" altLang="en-US" sz="1400" dirty="0"/>
+              <a:t>的</a:t>
+            </a:r>
+            <a:r>
+              <a:rPr lang="en-US" altLang="zh-CN" sz="1400" dirty="0"/>
+              <a:t>attention</a:t>
+            </a:r>
+            <a:r>
+              <a:rPr lang="zh-CN" altLang="en-US" sz="1400" dirty="0" smtClean="0"/>
+              <a:t>权重</a:t>
+            </a:r>
+            <a:endParaRPr lang="en-US" altLang="zh-CN" sz="1400" dirty="0" smtClean="0"/>
+          </a:p>
+          <a:p>
+            <a:r>
+              <a:rPr lang="zh-CN" altLang="en-US" sz="1400" dirty="0"/>
+              <a:t>最后一个</a:t>
+            </a:r>
+            <a:r>
+              <a:rPr lang="en-US" altLang="zh-CN" sz="1400" dirty="0"/>
+              <a:t>1</a:t>
+            </a:r>
+            <a:r>
+              <a:rPr lang="zh-CN" altLang="en-US" sz="1400" dirty="0"/>
+              <a:t>*</a:t>
+            </a:r>
+            <a:r>
+              <a:rPr lang="en-US" altLang="zh-CN" sz="1400" dirty="0"/>
+              <a:t>1 </a:t>
+            </a:r>
+            <a:r>
+              <a:rPr lang="zh-CN" altLang="en-US" sz="1400" dirty="0"/>
+              <a:t>卷积层类似于</a:t>
+            </a:r>
+            <a:r>
+              <a:rPr lang="en-US" altLang="zh-CN" sz="1400" dirty="0"/>
+              <a:t>Bottleneck</a:t>
+            </a:r>
+            <a:r>
+              <a:rPr lang="zh-CN" altLang="en-US" sz="1400" dirty="0"/>
+              <a:t>中的升维操作，提升精度</a:t>
+            </a:r>
+            <a:endParaRPr lang="zh-CN" altLang="en-US" sz="1400" dirty="0"/>
+          </a:p>
+        </p:txBody>
+      </p:sp>
+      <p:pic>
+        <p:nvPicPr>
+          <p:cNvPr id="4" name="图片 3"/>
+          <p:cNvPicPr>
+            <a:picLocks noChangeAspect="1"/>
+          </p:cNvPicPr>
+          <p:nvPr/>
+        </p:nvPicPr>
+        <p:blipFill>
+          <a:blip r:embed="rId2"/>
+          <a:stretch>
+            <a:fillRect/>
+          </a:stretch>
+        </p:blipFill>
+        <p:spPr>
+          <a:xfrm>
+            <a:off x="6823875" y="1248355"/>
+            <a:ext cx="4619048" cy="5414838"/>
+          </a:xfrm>
+          <a:prstGeom prst="rect">
+            <a:avLst/>
+          </a:prstGeom>
+        </p:spPr>
+      </p:pic>
+    </p:spTree>
+    <p:extLst>
+      <p:ext uri="{BB962C8B-B14F-4D97-AF65-F5344CB8AC3E}">
+        <p14:creationId xmlns:p14="http://schemas.microsoft.com/office/powerpoint/2010/main" val="4106507165"/>
+      </p:ext>
+    </p:extLst>
+  </p:cSld>
+  <p:clrMapOvr>
+    <a:masterClrMapping/>
+  </p:clrMapOvr>
+  <p:timing>
+    <p:tnLst>
+      <p:par>
+        <p:cTn id="1" dur="indefinite" restart="never" nodeType="tmRoot"/>
+      </p:par>
+    </p:tnLst>
+  </p:timing>
+</p:sld>
+</file>
+
+<file path=ppt/slides/slide11.xml><?xml version="1.0" encoding="utf-8"?>
+<p:sld xmlns:a="http://schemas.openxmlformats.org/drawingml/2006/main" xmlns:r="http://schemas.openxmlformats.org/officeDocument/2006/relationships" xmlns:p="http://schemas.openxmlformats.org/presentationml/2006/main">
+  <p:cSld>
+    <p:spTree>
+      <p:nvGrpSpPr>
+        <p:cNvPr id="1" name=""/>
+        <p:cNvGrpSpPr/>
+        <p:nvPr/>
+      </p:nvGrpSpPr>
+      <p:grpSpPr>
+        <a:xfrm>
+          <a:off x="0" y="0"/>
+          <a:ext cx="0" cy="0"/>
+          <a:chOff x="0" y="0"/>
+          <a:chExt cx="0" cy="0"/>
+        </a:xfrm>
+      </p:grpSpPr>
+      <p:sp>
+        <p:nvSpPr>
+          <p:cNvPr id="2" name="标题 1"/>
+          <p:cNvSpPr>
+            <a:spLocks noGrp="1"/>
+          </p:cNvSpPr>
+          <p:nvPr>
+            <p:ph type="title"/>
+          </p:nvPr>
+        </p:nvSpPr>
+        <p:spPr/>
+        <p:txBody>
+          <a:bodyPr/>
+          <a:lstStyle/>
+          <a:p>
+            <a:r>
+              <a:rPr lang="zh-CN" altLang="en-US" dirty="0" smtClean="0"/>
+              <a:t>指标</a:t>
+            </a:r>
+            <a:endParaRPr lang="zh-CN" altLang="en-US" dirty="0"/>
+          </a:p>
+        </p:txBody>
+      </p:sp>
+      <p:pic>
+        <p:nvPicPr>
+          <p:cNvPr id="4" name="图片 3"/>
+          <p:cNvPicPr>
+            <a:picLocks noChangeAspect="1"/>
+          </p:cNvPicPr>
+          <p:nvPr/>
+        </p:nvPicPr>
+        <p:blipFill>
+          <a:blip r:embed="rId2"/>
+          <a:stretch>
+            <a:fillRect/>
+          </a:stretch>
+        </p:blipFill>
+        <p:spPr>
+          <a:xfrm>
+            <a:off x="3364807" y="1867068"/>
+            <a:ext cx="7607993" cy="4000332"/>
+          </a:xfrm>
+          <a:prstGeom prst="rect">
+            <a:avLst/>
+          </a:prstGeom>
+        </p:spPr>
+      </p:pic>
+      <p:sp>
+        <p:nvSpPr>
+          <p:cNvPr id="3" name="内容占位符 2"/>
+          <p:cNvSpPr>
+            <a:spLocks noGrp="1"/>
+          </p:cNvSpPr>
+          <p:nvPr>
+            <p:ph idx="1"/>
+          </p:nvPr>
+        </p:nvSpPr>
+        <p:spPr/>
+        <p:txBody>
+          <a:bodyPr/>
+          <a:lstStyle/>
+          <a:p>
+            <a:r>
+              <a:rPr lang="en-US" altLang="zh-CN" dirty="0" smtClean="0"/>
+              <a:t>COCO </a:t>
+            </a:r>
+            <a:r>
+              <a:rPr lang="zh-CN" altLang="en-US" dirty="0" smtClean="0"/>
+              <a:t>上不同</a:t>
+            </a:r>
+            <a:r>
+              <a:rPr lang="en-US" altLang="zh-CN" dirty="0" smtClean="0"/>
+              <a:t>backbone</a:t>
+            </a:r>
+          </a:p>
+          <a:p>
+            <a:pPr marL="0" indent="0">
+              <a:buNone/>
+            </a:pPr>
+            <a:r>
+              <a:rPr lang="zh-CN" altLang="en-US" dirty="0" smtClean="0"/>
+              <a:t>性能指标对比</a:t>
+            </a:r>
+            <a:endParaRPr lang="zh-CN" altLang="en-US" dirty="0"/>
+          </a:p>
+        </p:txBody>
+      </p:sp>
+    </p:spTree>
+    <p:extLst>
+      <p:ext uri="{BB962C8B-B14F-4D97-AF65-F5344CB8AC3E}">
+        <p14:creationId xmlns:p14="http://schemas.microsoft.com/office/powerpoint/2010/main" val="3431552930"/>
+      </p:ext>
+    </p:extLst>
+  </p:cSld>
+  <p:clrMapOvr>
+    <a:masterClrMapping/>
+  </p:clrMapOvr>
+  <p:timing>
+    <p:tnLst>
+      <p:par>
+        <p:cTn id="1" dur="indefinite" restart="never" nodeType="tmRoot"/>
+      </p:par>
+    </p:tnLst>
+  </p:timing>
+</p:sld>
+</file>
+
+<file path=ppt/slides/slide12.xml><?xml version="1.0" encoding="utf-8"?>
+<p:sld xmlns:a="http://schemas.openxmlformats.org/drawingml/2006/main" xmlns:r="http://schemas.openxmlformats.org/officeDocument/2006/relationships" xmlns:p="http://schemas.openxmlformats.org/presentationml/2006/main">
+  <p:cSld>
+    <p:spTree>
+      <p:nvGrpSpPr>
+        <p:cNvPr id="1" name=""/>
+        <p:cNvGrpSpPr/>
+        <p:nvPr/>
+      </p:nvGrpSpPr>
+      <p:grpSpPr>
+        <a:xfrm>
+          <a:off x="0" y="0"/>
+          <a:ext cx="0" cy="0"/>
+          <a:chOff x="0" y="0"/>
+          <a:chExt cx="0" cy="0"/>
+        </a:xfrm>
+      </p:grpSpPr>
+      <p:sp>
+        <p:nvSpPr>
+          <p:cNvPr id="2" name="标题 1"/>
+          <p:cNvSpPr>
+            <a:spLocks noGrp="1"/>
+          </p:cNvSpPr>
+          <p:nvPr>
+            <p:ph type="title"/>
+          </p:nvPr>
+        </p:nvSpPr>
+        <p:spPr/>
+        <p:txBody>
+          <a:bodyPr/>
+          <a:lstStyle/>
+          <a:p>
+            <a:r>
+              <a:rPr lang="zh-CN" altLang="en-US" dirty="0" smtClean="0"/>
+              <a:t>指标</a:t>
+            </a:r>
+            <a:endParaRPr lang="zh-CN" altLang="en-US" dirty="0"/>
+          </a:p>
+        </p:txBody>
+      </p:sp>
+      <p:sp>
+        <p:nvSpPr>
+          <p:cNvPr id="3" name="内容占位符 2"/>
+          <p:cNvSpPr>
+            <a:spLocks noGrp="1"/>
+          </p:cNvSpPr>
+          <p:nvPr>
+            <p:ph idx="1"/>
+          </p:nvPr>
+        </p:nvSpPr>
+        <p:spPr/>
+        <p:txBody>
+          <a:bodyPr/>
+          <a:lstStyle/>
+          <a:p>
+            <a:r>
+              <a:rPr lang="en-US" altLang="zh-CN" dirty="0" smtClean="0"/>
+              <a:t>ImageNet </a:t>
+            </a:r>
+            <a:r>
+              <a:rPr lang="zh-CN" altLang="en-US" dirty="0" smtClean="0"/>
+              <a:t>上的不同网络指标对比</a:t>
+            </a:r>
+            <a:endParaRPr lang="zh-CN" altLang="en-US" dirty="0"/>
+          </a:p>
+        </p:txBody>
+      </p:sp>
+      <p:sp>
+        <p:nvSpPr>
+          <p:cNvPr id="5" name="AutoShape 2" descr="https://github.com/zhanghang1989/ResNeSt/raw/master/miscs/abstract.jpg"/>
+          <p:cNvSpPr>
+            <a:spLocks noChangeAspect="1" noChangeArrowheads="1"/>
+          </p:cNvSpPr>
+          <p:nvPr/>
+        </p:nvSpPr>
+        <p:spPr bwMode="auto">
+          <a:xfrm>
+            <a:off x="155575" y="-144463"/>
+            <a:ext cx="304800" cy="304801"/>
+          </a:xfrm>
+          <a:prstGeom prst="rect">
+            <a:avLst/>
+          </a:prstGeom>
+          <a:noFill/>
+          <a:extLst>
+            <a:ext uri="{909E8E84-426E-40DD-AFC4-6F175D3DCCD1}">
+              <a14:hiddenFill xmlns:a14="http://schemas.microsoft.com/office/drawing/2010/main">
+                <a:solidFill>
+                  <a:srgbClr val="FFFFFF"/>
+                </a:solidFill>
+              </a14:hiddenFill>
+            </a:ext>
+          </a:extLst>
+        </p:spPr>
+        <p:txBody>
+          <a:bodyPr vert="horz" wrap="square" lIns="91440" tIns="45720" rIns="91440" bIns="45720" numCol="1" anchor="t" anchorCtr="0" compatLnSpc="1">
+            <a:prstTxWarp prst="textNoShape">
+              <a:avLst/>
+            </a:prstTxWarp>
+          </a:bodyPr>
+          <a:lstStyle/>
+          <a:p>
+            <a:endParaRPr lang="zh-CN" altLang="en-US"/>
+          </a:p>
+        </p:txBody>
+      </p:sp>
+      <p:pic>
+        <p:nvPicPr>
+          <p:cNvPr id="6" name="图片 5"/>
+          <p:cNvPicPr>
+            <a:picLocks noChangeAspect="1"/>
+          </p:cNvPicPr>
+          <p:nvPr/>
+        </p:nvPicPr>
+        <p:blipFill>
+          <a:blip r:embed="rId2"/>
+          <a:stretch>
+            <a:fillRect/>
+          </a:stretch>
+        </p:blipFill>
+        <p:spPr>
+          <a:xfrm>
+            <a:off x="5525181" y="1743366"/>
+            <a:ext cx="5447619" cy="4666667"/>
+          </a:xfrm>
+          <a:prstGeom prst="rect">
+            <a:avLst/>
+          </a:prstGeom>
+        </p:spPr>
+      </p:pic>
+    </p:spTree>
+    <p:extLst>
+      <p:ext uri="{BB962C8B-B14F-4D97-AF65-F5344CB8AC3E}">
+        <p14:creationId xmlns:p14="http://schemas.microsoft.com/office/powerpoint/2010/main" val="578562055"/>
+      </p:ext>
+    </p:extLst>
+  </p:cSld>
+  <p:clrMapOvr>
+    <a:masterClrMapping/>
+  </p:clrMapOvr>
+  <p:timing>
+    <p:tnLst>
+      <p:par>
+        <p:cTn id="1" dur="indefinite" restart="never" nodeType="tmRoot"/>
+      </p:par>
+    </p:tnLst>
+  </p:timing>
+</p:sld>
+</file>
+
+<file path=ppt/slides/slide13.xml><?xml version="1.0" encoding="utf-8"?>
+<p:sld xmlns:a="http://schemas.openxmlformats.org/drawingml/2006/main" xmlns:r="http://schemas.openxmlformats.org/officeDocument/2006/relationships" xmlns:p="http://schemas.openxmlformats.org/presentationml/2006/main">
+  <p:cSld>
+    <p:spTree>
+      <p:nvGrpSpPr>
+        <p:cNvPr id="1" name=""/>
+        <p:cNvGrpSpPr/>
+        <p:nvPr/>
+      </p:nvGrpSpPr>
+      <p:grpSpPr>
+        <a:xfrm>
+          <a:off x="0" y="0"/>
+          <a:ext cx="0" cy="0"/>
+          <a:chOff x="0" y="0"/>
+          <a:chExt cx="0" cy="0"/>
+        </a:xfrm>
+      </p:grpSpPr>
+      <p:sp>
+        <p:nvSpPr>
+          <p:cNvPr id="2" name="标题 1"/>
+          <p:cNvSpPr>
+            <a:spLocks noGrp="1"/>
+          </p:cNvSpPr>
+          <p:nvPr>
+            <p:ph type="title"/>
+          </p:nvPr>
+        </p:nvSpPr>
+        <p:spPr/>
+        <p:txBody>
+          <a:bodyPr/>
+          <a:lstStyle/>
+          <a:p>
+            <a:r>
+              <a:rPr lang="zh-CN" altLang="en-US" dirty="0" smtClean="0"/>
+              <a:t>参数数量与性能指标对比</a:t>
+            </a:r>
+            <a:endParaRPr lang="zh-CN" altLang="en-US" dirty="0"/>
+          </a:p>
+        </p:txBody>
+      </p:sp>
+      <p:sp>
+        <p:nvSpPr>
+          <p:cNvPr id="3" name="内容占位符 2"/>
+          <p:cNvSpPr>
+            <a:spLocks noGrp="1"/>
+          </p:cNvSpPr>
+          <p:nvPr>
+            <p:ph idx="1"/>
+          </p:nvPr>
+        </p:nvSpPr>
+        <p:spPr/>
+        <p:txBody>
+          <a:bodyPr/>
+          <a:lstStyle/>
+          <a:p>
+            <a:r>
+              <a:rPr lang="zh-CN" altLang="en-US" dirty="0" smtClean="0"/>
+              <a:t>不同网络的参数数量与性能指标对比，可以看到</a:t>
+            </a:r>
+            <a:r>
+              <a:rPr lang="en-US" altLang="zh-CN" dirty="0" err="1" smtClean="0"/>
+              <a:t>ResNeSt</a:t>
+            </a:r>
+            <a:r>
+              <a:rPr lang="zh-CN" altLang="en-US" dirty="0" smtClean="0"/>
+              <a:t>有较好的</a:t>
+            </a:r>
+            <a:r>
+              <a:rPr lang="en-US" altLang="zh-CN" dirty="0" smtClean="0"/>
+              <a:t>trade-off</a:t>
+            </a:r>
+            <a:endParaRPr lang="zh-CN" altLang="en-US" dirty="0"/>
+          </a:p>
+        </p:txBody>
+      </p:sp>
+      <p:sp>
+        <p:nvSpPr>
+          <p:cNvPr id="5" name="AutoShape 2" descr="https://github.com/zhanghang1989/ResNeSt/raw/master/miscs/abstract.jpg"/>
+          <p:cNvSpPr>
+            <a:spLocks noChangeAspect="1" noChangeArrowheads="1"/>
+          </p:cNvSpPr>
+          <p:nvPr/>
+        </p:nvSpPr>
+        <p:spPr bwMode="auto">
+          <a:xfrm>
+            <a:off x="155575" y="-144463"/>
+            <a:ext cx="304800" cy="304801"/>
+          </a:xfrm>
+          <a:prstGeom prst="rect">
+            <a:avLst/>
+          </a:prstGeom>
+          <a:noFill/>
+          <a:extLst>
+            <a:ext uri="{909E8E84-426E-40DD-AFC4-6F175D3DCCD1}">
+              <a14:hiddenFill xmlns:a14="http://schemas.microsoft.com/office/drawing/2010/main">
+                <a:solidFill>
+                  <a:srgbClr val="FFFFFF"/>
+                </a:solidFill>
+              </a14:hiddenFill>
+            </a:ext>
+          </a:extLst>
+        </p:spPr>
+        <p:txBody>
+          <a:bodyPr vert="horz" wrap="square" lIns="91440" tIns="45720" rIns="91440" bIns="45720" numCol="1" anchor="t" anchorCtr="0" compatLnSpc="1">
+            <a:prstTxWarp prst="textNoShape">
+              <a:avLst/>
+            </a:prstTxWarp>
+          </a:bodyPr>
+          <a:lstStyle/>
+          <a:p>
+            <a:endParaRPr lang="zh-CN" altLang="en-US"/>
+          </a:p>
+        </p:txBody>
+      </p:sp>
+      <p:pic>
+        <p:nvPicPr>
+          <p:cNvPr id="4" name="图片 3"/>
+          <p:cNvPicPr>
+            <a:picLocks noChangeAspect="1"/>
+          </p:cNvPicPr>
+          <p:nvPr/>
+        </p:nvPicPr>
+        <p:blipFill>
+          <a:blip r:embed="rId2"/>
+          <a:stretch>
+            <a:fillRect/>
+          </a:stretch>
+        </p:blipFill>
+        <p:spPr>
+          <a:xfrm>
+            <a:off x="1676962" y="2798798"/>
+            <a:ext cx="8990476" cy="3352381"/>
+          </a:xfrm>
+          <a:prstGeom prst="rect">
+            <a:avLst/>
+          </a:prstGeom>
+        </p:spPr>
+      </p:pic>
+    </p:spTree>
+    <p:extLst>
+      <p:ext uri="{BB962C8B-B14F-4D97-AF65-F5344CB8AC3E}">
+        <p14:creationId xmlns:p14="http://schemas.microsoft.com/office/powerpoint/2010/main" val="2698875674"/>
+      </p:ext>
+    </p:extLst>
+  </p:cSld>
+  <p:clrMapOvr>
+    <a:masterClrMapping/>
+  </p:clrMapOvr>
+  <p:timing>
+    <p:tnLst>
+      <p:par>
+        <p:cTn id="1" dur="indefinite" restart="never" nodeType="tmRoot"/>
+      </p:par>
+    </p:tnLst>
+  </p:timing>
 </p:sld>
 </file>
 
@@ -4445,7 +5199,11 @@
           <a:lstStyle/>
           <a:p>
             <a:r>
-              <a:rPr lang="en-US" altLang="zh-CN" dirty="0"/>
+              <a:rPr lang="zh-CN" altLang="en-US" dirty="0" smtClean="0"/>
+              <a:t>基于</a:t>
+            </a:r>
+            <a:r>
+              <a:rPr lang="en-US" altLang="zh-CN" dirty="0" err="1" smtClean="0"/>
               <a:t>Resnet</a:t>
             </a:r>
             <a:r>
@@ -4469,7 +5227,11 @@
             </a:r>
             <a:r>
               <a:rPr lang="zh-CN" altLang="en-US" dirty="0"/>
-              <a:t>，使模型能在不同组的</a:t>
+              <a:t>，使模型能</a:t>
+            </a:r>
+            <a:r>
+              <a:rPr lang="zh-CN" altLang="en-US" dirty="0" smtClean="0"/>
+              <a:t>在组间的</a:t>
             </a:r>
             <a:r>
               <a:rPr lang="en-US" altLang="zh-CN" dirty="0" err="1"/>
@@ -4488,30 +5250,48 @@
           <a:p>
             <a:r>
               <a:rPr lang="zh-CN" altLang="en-US" dirty="0"/>
-              <a:t>在仅增加少量计算复杂度的情况下得到较好的结果</a:t>
+              <a:t>在</a:t>
+            </a:r>
+            <a:r>
+              <a:rPr lang="zh-CN" altLang="en-US" dirty="0" smtClean="0"/>
+              <a:t>仅计算</a:t>
+            </a:r>
+            <a:r>
+              <a:rPr lang="zh-CN" altLang="en-US" dirty="0"/>
+              <a:t>复杂</a:t>
+            </a:r>
+            <a:r>
+              <a:rPr lang="zh-CN" altLang="en-US" dirty="0" smtClean="0"/>
+              <a:t>度与</a:t>
+            </a:r>
+            <a:r>
+              <a:rPr lang="en-US" altLang="zh-CN" dirty="0" err="1" smtClean="0"/>
+              <a:t>resnet</a:t>
+            </a:r>
+            <a:r>
+              <a:rPr lang="zh-CN" altLang="en-US" dirty="0" smtClean="0"/>
+              <a:t>近似的</a:t>
+            </a:r>
+            <a:r>
+              <a:rPr lang="zh-CN" altLang="en-US" dirty="0"/>
+              <a:t>情况下得到较好的结果</a:t>
             </a:r>
             <a:endParaRPr lang="en-US" altLang="zh-CN" dirty="0"/>
           </a:p>
           <a:p>
             <a:r>
+              <a:rPr lang="zh-CN" altLang="en-US" dirty="0" smtClean="0"/>
+              <a:t>能够</a:t>
+            </a:r>
+            <a:r>
               <a:rPr lang="zh-CN" altLang="en-US" dirty="0"/>
-              <a:t>可以很简单的部署到模型中，替换原有的 </a:t>
-            </a:r>
-            <a:r>
-              <a:rPr lang="en-US" altLang="zh-CN" dirty="0"/>
-              <a:t>backbone </a:t>
-            </a:r>
-            <a:r>
-              <a:rPr lang="zh-CN" altLang="en-US" dirty="0"/>
-              <a:t>网络</a:t>
-            </a:r>
-            <a:endParaRPr lang="en-US" altLang="zh-CN" dirty="0"/>
-          </a:p>
-          <a:p>
-            <a:r>
-              <a:rPr lang="zh-CN" altLang="en-US" dirty="0"/>
-              <a:t>能够在不同应用场景中获得指标提升</a:t>
-            </a:r>
+              <a:t>在不同应用场景中获得指标</a:t>
+            </a:r>
+            <a:r>
+              <a:rPr lang="zh-CN" altLang="en-US" dirty="0" smtClean="0"/>
+              <a:t>提升</a:t>
+            </a:r>
+            <a:endParaRPr lang="en-US" altLang="zh-CN" dirty="0" smtClean="0"/>
           </a:p>
         </p:txBody>
       </p:sp>
@@ -4525,6 +5305,13 @@
   <p:clrMapOvr>
     <a:masterClrMapping/>
   </p:clrMapOvr>
+  <p:timing>
+    <p:tnLst>
+      <p:par>
+        <p:cTn id="1" dur="indefinite" restart="never" nodeType="tmRoot"/>
+      </p:par>
+    </p:tnLst>
+  </p:timing>
 </p:sld>
 </file>
 
@@ -4547,6 +5334,188 @@
       </p:grpSpPr>
       <p:sp>
         <p:nvSpPr>
+          <p:cNvPr id="2" name="标题 1"/>
+          <p:cNvSpPr>
+            <a:spLocks noGrp="1"/>
+          </p:cNvSpPr>
+          <p:nvPr>
+            <p:ph type="title"/>
+          </p:nvPr>
+        </p:nvSpPr>
+        <p:spPr/>
+        <p:txBody>
+          <a:bodyPr/>
+          <a:lstStyle/>
+          <a:p>
+            <a:r>
+              <a:rPr lang="zh-CN" altLang="en-US" b="1" dirty="0" smtClean="0"/>
+              <a:t>创新点</a:t>
+            </a:r>
+            <a:endParaRPr lang="zh-CN" altLang="en-US" dirty="0"/>
+          </a:p>
+        </p:txBody>
+      </p:sp>
+      <p:sp>
+        <p:nvSpPr>
+          <p:cNvPr id="3" name="内容占位符 2"/>
+          <p:cNvSpPr>
+            <a:spLocks noGrp="1"/>
+          </p:cNvSpPr>
+          <p:nvPr>
+            <p:ph idx="1"/>
+          </p:nvPr>
+        </p:nvSpPr>
+        <p:spPr/>
+        <p:txBody>
+          <a:bodyPr/>
+          <a:lstStyle/>
+          <a:p>
+            <a:r>
+              <a:rPr lang="zh-CN" altLang="en-US" dirty="0" smtClean="0"/>
+              <a:t>介于</a:t>
+            </a:r>
+            <a:r>
+              <a:rPr lang="zh-CN" altLang="en-US" dirty="0"/>
+              <a:t>普通</a:t>
+            </a:r>
+            <a:r>
+              <a:rPr lang="zh-CN" altLang="en-US" dirty="0" smtClean="0"/>
+              <a:t>卷积和深度</a:t>
+            </a:r>
+            <a:r>
+              <a:rPr lang="zh-CN" altLang="en-US" dirty="0"/>
+              <a:t>可分离卷积的这种策略：分组卷积</a:t>
+            </a:r>
+            <a:r>
+              <a:rPr lang="zh-CN" altLang="en-US" dirty="0" smtClean="0"/>
+              <a:t>，通过</a:t>
+            </a:r>
+            <a:r>
+              <a:rPr lang="zh-CN" altLang="en-US" dirty="0"/>
+              <a:t>控制分组的数量（基数）来达到两种策略的平衡</a:t>
+            </a:r>
+            <a:r>
+              <a:rPr lang="zh-CN" altLang="en-US" dirty="0" smtClean="0"/>
+              <a:t>。</a:t>
+            </a:r>
+            <a:endParaRPr lang="en-US" altLang="zh-CN" dirty="0" smtClean="0"/>
+          </a:p>
+          <a:p>
+            <a:r>
+              <a:rPr lang="zh-CN" altLang="en-US" dirty="0"/>
+              <a:t>用一种平行堆叠相同拓扑结构的</a:t>
+            </a:r>
+            <a:r>
+              <a:rPr lang="en-US" altLang="zh-CN" dirty="0"/>
+              <a:t>blocks</a:t>
+            </a:r>
+            <a:r>
+              <a:rPr lang="zh-CN" altLang="en-US" dirty="0"/>
+              <a:t>代替原来 </a:t>
+            </a:r>
+            <a:r>
+              <a:rPr lang="en-US" altLang="zh-CN" dirty="0" err="1"/>
+              <a:t>ResNet</a:t>
+            </a:r>
+            <a:r>
+              <a:rPr lang="en-US" altLang="zh-CN" dirty="0"/>
+              <a:t> </a:t>
+            </a:r>
+            <a:r>
+              <a:rPr lang="zh-CN" altLang="en-US" dirty="0"/>
+              <a:t>的三层卷积的</a:t>
+            </a:r>
+            <a:r>
+              <a:rPr lang="en-US" altLang="zh-CN" dirty="0" smtClean="0"/>
+              <a:t>block</a:t>
+            </a:r>
+          </a:p>
+          <a:p>
+            <a:r>
+              <a:rPr lang="zh-CN" altLang="en-US" dirty="0"/>
+              <a:t>添加</a:t>
+            </a:r>
+            <a:r>
+              <a:rPr lang="zh-CN" altLang="en-US" dirty="0" smtClean="0"/>
+              <a:t>了基于基数</a:t>
+            </a:r>
+            <a:r>
+              <a:rPr lang="zh-CN" altLang="en-US" dirty="0"/>
+              <a:t>组</a:t>
+            </a:r>
+            <a:r>
+              <a:rPr lang="en-US" altLang="zh-CN" dirty="0"/>
+              <a:t>(cardinal </a:t>
+            </a:r>
+            <a:r>
+              <a:rPr lang="en-US" altLang="zh-CN" dirty="0"/>
+              <a:t>groups)</a:t>
+            </a:r>
+            <a:r>
+              <a:rPr lang="zh-CN" altLang="en-US" dirty="0"/>
+              <a:t>间的注意力操作</a:t>
+            </a:r>
+            <a:endParaRPr lang="en-US" altLang="zh-CN" dirty="0"/>
+          </a:p>
+          <a:p>
+            <a:r>
+              <a:rPr lang="zh-CN" altLang="en-US" dirty="0" smtClean="0"/>
+              <a:t>减少</a:t>
+            </a:r>
+            <a:r>
+              <a:rPr lang="zh-CN" altLang="en-US" dirty="0"/>
+              <a:t>计算</a:t>
+            </a:r>
+            <a:r>
+              <a:rPr lang="zh-CN" altLang="en-US" dirty="0" smtClean="0"/>
+              <a:t>量的同时增加了模型精度</a:t>
+            </a:r>
+            <a:endParaRPr lang="en-US" altLang="zh-CN" dirty="0"/>
+          </a:p>
+          <a:p>
+            <a:endParaRPr lang="zh-CN" altLang="en-US" dirty="0"/>
+          </a:p>
+        </p:txBody>
+      </p:sp>
+    </p:spTree>
+    <p:extLst>
+      <p:ext uri="{BB962C8B-B14F-4D97-AF65-F5344CB8AC3E}">
+        <p14:creationId xmlns:p14="http://schemas.microsoft.com/office/powerpoint/2010/main" val="2208898333"/>
+      </p:ext>
+    </p:extLst>
+  </p:cSld>
+  <p:clrMapOvr>
+    <a:masterClrMapping/>
+  </p:clrMapOvr>
+  <p:timing>
+    <p:tnLst>
+      <p:par>
+        <p:cTn id="1" dur="indefinite" restart="never" nodeType="tmRoot"/>
+      </p:par>
+    </p:tnLst>
+  </p:timing>
+</p:sld>
+</file>
+
+<file path=ppt/slides/slide4.xml><?xml version="1.0" encoding="utf-8"?>
+<p:sld xmlns:a="http://schemas.openxmlformats.org/drawingml/2006/main" xmlns:r="http://schemas.openxmlformats.org/officeDocument/2006/relationships" xmlns:p="http://schemas.openxmlformats.org/presentationml/2006/main">
+  <p:cSld>
+    <p:spTree>
+      <p:nvGrpSpPr>
+        <p:cNvPr id="1" name=""/>
+        <p:cNvGrpSpPr/>
+        <p:nvPr/>
+      </p:nvGrpSpPr>
+      <p:grpSpPr>
+        <a:xfrm>
+          <a:off x="0" y="0"/>
+          <a:ext cx="0" cy="0"/>
+          <a:chOff x="0" y="0"/>
+          <a:chExt cx="0" cy="0"/>
+        </a:xfrm>
+      </p:grpSpPr>
+      <p:sp>
+        <p:nvSpPr>
           <p:cNvPr id="2" name="标题 1">
             <a:extLst>
               <a:ext uri="{FF2B5EF4-FFF2-40B4-BE49-F238E27FC236}">
@@ -4567,44 +5536,38 @@
           <a:lstStyle/>
           <a:p>
             <a:r>
-              <a:rPr lang="zh-CN" altLang="en-US" b="1" dirty="0"/>
-              <a:t>借鉴</a:t>
-            </a:r>
-            <a:r>
-              <a:rPr lang="en-US" altLang="zh-CN" b="1" dirty="0" err="1" smtClean="0"/>
-              <a:t>ResNeXt</a:t>
-            </a:r>
-            <a:endParaRPr lang="zh-CN" altLang="en-US" dirty="0"/>
-          </a:p>
-        </p:txBody>
-      </p:sp>
-      <p:sp>
-        <p:nvSpPr>
-          <p:cNvPr id="4" name="内容占位符 3"/>
-          <p:cNvSpPr>
-            <a:spLocks noGrp="1"/>
-          </p:cNvSpPr>
-          <p:nvPr>
-            <p:ph idx="1"/>
-          </p:nvPr>
-        </p:nvSpPr>
-        <p:spPr/>
-        <p:txBody>
-          <a:bodyPr/>
-          <a:lstStyle/>
-          <a:p>
+              <a:rPr lang="en-US" altLang="zh-CN" dirty="0"/>
+              <a:t>Tricks</a:t>
+            </a:r>
+            <a:r>
+              <a:rPr lang="zh-CN" altLang="en-US" dirty="0" smtClean="0"/>
+              <a:t>：</a:t>
+            </a:r>
+            <a:r>
+              <a:rPr lang="en-US" altLang="zh-CN" dirty="0"/>
+              <a:t> </a:t>
+            </a:r>
             <a:r>
               <a:rPr lang="en-US" altLang="zh-CN" dirty="0" smtClean="0"/>
               <a:t>split-transform-merge</a:t>
             </a:r>
             <a:r>
-              <a:rPr lang="zh-CN" altLang="en-US" dirty="0" smtClean="0"/>
-              <a:t>：</a:t>
-            </a:r>
-            <a:r>
-              <a:rPr lang="zh-CN" altLang="en-US" dirty="0"/>
-              <a:t>先将输入分配到多路，然后每一路进行转换，最后再把所有支路的结果融合</a:t>
-            </a:r>
+              <a:rPr lang="zh-CN" altLang="en-US" b="1" dirty="0" smtClean="0"/>
+              <a:t>（</a:t>
+            </a:r>
+            <a:r>
+              <a:rPr lang="en-US" altLang="zh-CN" dirty="0"/>
+              <a:t> Inception </a:t>
+            </a:r>
+            <a:r>
+              <a:rPr lang="en-US" altLang="zh-CN" dirty="0" smtClean="0"/>
+              <a:t>- net</a:t>
+            </a:r>
+            <a:r>
+              <a:rPr lang="zh-CN" altLang="en-US" b="1" dirty="0" smtClean="0"/>
+              <a:t>）</a:t>
+            </a:r>
+            <a:endParaRPr lang="zh-CN" altLang="en-US" dirty="0"/>
           </a:p>
         </p:txBody>
       </p:sp>
@@ -4631,7 +5594,7 @@
         </p:blipFill>
         <p:spPr bwMode="auto">
           <a:xfrm>
-            <a:off x="1371600" y="3025092"/>
+            <a:off x="1371600" y="3211579"/>
             <a:ext cx="7566025" cy="3646421"/>
           </a:xfrm>
           <a:prstGeom prst="rect">
@@ -4690,6 +5653,69 @@
           </a:extLst>
         </p:spPr>
       </p:pic>
+      <p:sp>
+        <p:nvSpPr>
+          <p:cNvPr id="4" name="内容占位符 3"/>
+          <p:cNvSpPr>
+            <a:spLocks noGrp="1"/>
+          </p:cNvSpPr>
+          <p:nvPr>
+            <p:ph idx="1"/>
+          </p:nvPr>
+        </p:nvSpPr>
+        <p:spPr/>
+        <p:txBody>
+          <a:bodyPr/>
+          <a:lstStyle/>
+          <a:p>
+            <a:r>
+              <a:rPr lang="en-US" altLang="zh-CN" dirty="0" smtClean="0"/>
+              <a:t>split-transform-merge</a:t>
+            </a:r>
+            <a:r>
+              <a:rPr lang="zh-CN" altLang="en-US" dirty="0" smtClean="0"/>
+              <a:t>：</a:t>
+            </a:r>
+            <a:r>
+              <a:rPr lang="zh-CN" altLang="en-US" dirty="0"/>
+              <a:t>先将输入分配到多路，然后每一路进行转换，最后再把所有支路的结果</a:t>
+            </a:r>
+            <a:r>
+              <a:rPr lang="zh-CN" altLang="en-US" dirty="0" smtClean="0"/>
+              <a:t>融合，提升精度（</a:t>
+            </a:r>
+            <a:r>
+              <a:rPr lang="zh-CN" altLang="en-US" dirty="0" smtClean="0"/>
+              <a:t> </a:t>
+            </a:r>
+            <a:r>
+              <a:rPr lang="en-US" altLang="zh-CN" dirty="0"/>
+              <a:t>1*1</a:t>
+            </a:r>
+            <a:r>
+              <a:rPr lang="zh-CN" altLang="en-US" dirty="0"/>
+              <a:t>卷积只有一个参数，相当于对原始</a:t>
+            </a:r>
+            <a:r>
+              <a:rPr lang="en-US" altLang="zh-CN" dirty="0"/>
+              <a:t>feature map</a:t>
+            </a:r>
+            <a:r>
+              <a:rPr lang="zh-CN" altLang="en-US" dirty="0"/>
+              <a:t>做了一个</a:t>
+            </a:r>
+            <a:r>
+              <a:rPr lang="en-US" altLang="zh-CN" dirty="0"/>
+              <a:t>scale </a:t>
+            </a:r>
+            <a:r>
+              <a:rPr lang="zh-CN" altLang="en-US" dirty="0" smtClean="0"/>
+              <a:t>）</a:t>
+            </a:r>
+            <a:endParaRPr lang="zh-CN" altLang="en-US" dirty="0"/>
+          </a:p>
+        </p:txBody>
+      </p:sp>
     </p:spTree>
     <p:extLst>
       <p:ext uri="{BB962C8B-B14F-4D97-AF65-F5344CB8AC3E}">
@@ -4700,10 +5726,17 @@
   <p:clrMapOvr>
     <a:masterClrMapping/>
   </p:clrMapOvr>
+  <p:timing>
+    <p:tnLst>
+      <p:par>
+        <p:cTn id="1" dur="indefinite" restart="never" nodeType="tmRoot"/>
+      </p:par>
+    </p:tnLst>
+  </p:timing>
 </p:sld>
 </file>
 
-<file path=ppt/slides/slide4.xml><?xml version="1.0" encoding="utf-8"?>
+<file path=ppt/slides/slide5.xml><?xml version="1.0" encoding="utf-8"?>
 <p:sld xmlns:a="http://schemas.openxmlformats.org/drawingml/2006/main" xmlns:r="http://schemas.openxmlformats.org/officeDocument/2006/relationships" xmlns:p="http://schemas.openxmlformats.org/presentationml/2006/main">
   <p:cSld>
     <p:spTree>
@@ -4736,12 +5769,20 @@
           <a:lstStyle/>
           <a:p>
             <a:r>
-              <a:rPr lang="zh-CN" altLang="en-US" b="1" dirty="0"/>
-              <a:t>借鉴</a:t>
-            </a:r>
-            <a:r>
-              <a:rPr lang="en-US" altLang="zh-CN" b="1" dirty="0" err="1"/>
-              <a:t>ResNeXt</a:t>
+              <a:rPr lang="en-US" altLang="zh-CN" dirty="0" smtClean="0"/>
+              <a:t>Tricks</a:t>
+            </a:r>
+            <a:r>
+              <a:rPr lang="zh-CN" altLang="en-US" dirty="0" smtClean="0"/>
+              <a:t>：</a:t>
+            </a:r>
+            <a:r>
+              <a:rPr lang="en-US" altLang="zh-CN" dirty="0" smtClean="0"/>
+              <a:t>B</a:t>
+            </a:r>
+            <a:r>
+              <a:rPr lang="en-US" altLang="zh-CN" dirty="0" smtClean="0"/>
+              <a:t>ottleneck</a:t>
             </a:r>
             <a:endParaRPr lang="zh-CN" altLang="en-US" dirty="0"/>
           </a:p>
@@ -4764,22 +5805,1711 @@
           <a:p>
             <a:r>
               <a:rPr lang="zh-CN" altLang="en-US" dirty="0"/>
-              <a:t>三种</a:t>
-            </a:r>
-            <a:r>
-              <a:rPr lang="en-US" altLang="zh-CN" dirty="0" err="1"/>
-              <a:t>ResNeXt</a:t>
-            </a:r>
-            <a:r>
-              <a:rPr lang="zh-CN" altLang="en-US" dirty="0"/>
-              <a:t>网络模块的变形。它们在数学计算上是完全等价</a:t>
+              <a:t>降维又升</a:t>
+            </a:r>
+            <a:r>
+              <a:rPr lang="zh-CN" altLang="en-US" dirty="0" smtClean="0"/>
+              <a:t>维去</a:t>
+            </a:r>
+            <a:r>
+              <a:rPr lang="zh-CN" altLang="en-US" b="1" dirty="0" smtClean="0"/>
+              <a:t>除</a:t>
+            </a:r>
+            <a:r>
+              <a:rPr lang="zh-CN" altLang="en-US" b="1" dirty="0"/>
+              <a:t>高频</a:t>
+            </a:r>
+            <a:r>
+              <a:rPr lang="zh-CN" altLang="en-US" b="1" dirty="0" smtClean="0"/>
+              <a:t>噪声</a:t>
+            </a:r>
+            <a:endParaRPr lang="en-US" altLang="zh-CN" dirty="0" smtClean="0"/>
+          </a:p>
+          <a:p>
+            <a:r>
+              <a:rPr lang="en-US" altLang="zh-CN" dirty="0" smtClean="0"/>
+              <a:t>Bottleneck</a:t>
             </a:r>
           </a:p>
         </p:txBody>
       </p:sp>
       <p:pic>
         <p:nvPicPr>
-          <p:cNvPr id="2050" name="Picture 2" descr="https://pic2.zhimg.com/80/v2-324282edcbfbd476fbe406c5fddb8dfd_720w.jpg"/>
+          <p:cNvPr id="6" name="图片 5"/>
+          <p:cNvPicPr>
+            <a:picLocks noChangeAspect="1"/>
+          </p:cNvPicPr>
+          <p:nvPr/>
+        </p:nvPicPr>
+        <p:blipFill>
+          <a:blip r:embed="rId2">
+            <a:extLst>
+              <a:ext uri="{28A0092B-C50C-407E-A947-70E740481C1C}">
+                <a14:useLocalDpi xmlns:a14="http://schemas.microsoft.com/office/drawing/2010/main" val="0"/>
+              </a:ext>
+            </a:extLst>
+          </a:blip>
+          <a:stretch>
+            <a:fillRect/>
+          </a:stretch>
+        </p:blipFill>
+        <p:spPr>
+          <a:xfrm>
+            <a:off x="4767614" y="1596788"/>
+            <a:ext cx="5891071" cy="5132723"/>
+          </a:xfrm>
+          <a:prstGeom prst="rect">
+            <a:avLst/>
+          </a:prstGeom>
+        </p:spPr>
+      </p:pic>
+    </p:spTree>
+    <p:extLst>
+      <p:ext uri="{BB962C8B-B14F-4D97-AF65-F5344CB8AC3E}">
+        <p14:creationId xmlns:p14="http://schemas.microsoft.com/office/powerpoint/2010/main" val="2421746522"/>
+      </p:ext>
+    </p:extLst>
+  </p:cSld>
+  <p:clrMapOvr>
+    <a:masterClrMapping/>
+  </p:clrMapOvr>
+  <p:timing>
+    <p:tnLst>
+      <p:par>
+        <p:cTn id="1" dur="indefinite" restart="never" nodeType="tmRoot"/>
+      </p:par>
+    </p:tnLst>
+  </p:timing>
+</p:sld>
+</file>
+
+<file path=ppt/slides/slide6.xml><?xml version="1.0" encoding="utf-8"?>
+<p:sld xmlns:a="http://schemas.openxmlformats.org/drawingml/2006/main" xmlns:r="http://schemas.openxmlformats.org/officeDocument/2006/relationships" xmlns:p="http://schemas.openxmlformats.org/presentationml/2006/main">
+  <p:cSld>
+    <p:spTree>
+      <p:nvGrpSpPr>
+        <p:cNvPr id="1" name=""/>
+        <p:cNvGrpSpPr/>
+        <p:nvPr/>
+      </p:nvGrpSpPr>
+      <p:grpSpPr>
+        <a:xfrm>
+          <a:off x="0" y="0"/>
+          <a:ext cx="0" cy="0"/>
+          <a:chOff x="0" y="0"/>
+          <a:chExt cx="0" cy="0"/>
+        </a:xfrm>
+      </p:grpSpPr>
+      <p:sp>
+        <p:nvSpPr>
+          <p:cNvPr id="4" name="标题 3"/>
+          <p:cNvSpPr>
+            <a:spLocks noGrp="1"/>
+          </p:cNvSpPr>
+          <p:nvPr>
+            <p:ph type="title"/>
+          </p:nvPr>
+        </p:nvSpPr>
+        <p:spPr/>
+        <p:txBody>
+          <a:bodyPr/>
+          <a:lstStyle/>
+          <a:p>
+            <a:r>
+              <a:rPr lang="zh-CN" altLang="en-US" dirty="0" smtClean="0"/>
+              <a:t>为什么分组卷积能降低计算量？</a:t>
+            </a:r>
+            <a:endParaRPr lang="zh-CN" altLang="en-US" dirty="0"/>
+          </a:p>
+        </p:txBody>
+      </p:sp>
+      <p:pic>
+        <p:nvPicPr>
+          <p:cNvPr id="8" name="内容占位符 7"/>
+          <p:cNvPicPr>
+            <a:picLocks noGrp="1" noChangeAspect="1"/>
+          </p:cNvPicPr>
+          <p:nvPr>
+            <p:ph idx="1"/>
+          </p:nvPr>
+        </p:nvPicPr>
+        <p:blipFill>
+          <a:blip r:embed="rId3">
+            <a:extLst>
+              <a:ext uri="{28A0092B-C50C-407E-A947-70E740481C1C}">
+                <a14:useLocalDpi xmlns:a14="http://schemas.microsoft.com/office/drawing/2010/main" val="0"/>
+              </a:ext>
+            </a:extLst>
+          </a:blip>
+          <a:stretch>
+            <a:fillRect/>
+          </a:stretch>
+        </p:blipFill>
+        <p:spPr>
+          <a:xfrm>
+            <a:off x="3262312" y="1786292"/>
+            <a:ext cx="5819775" cy="2209800"/>
+          </a:xfrm>
+        </p:spPr>
+      </p:pic>
+      <p:graphicFrame>
+        <p:nvGraphicFramePr>
+          <p:cNvPr id="11" name="对象 10"/>
+          <p:cNvGraphicFramePr>
+            <a:graphicFrameLocks noChangeAspect="1"/>
+          </p:cNvGraphicFramePr>
+          <p:nvPr>
+            <p:extLst>
+              <p:ext uri="{D42A27DB-BD31-4B8C-83A1-F6EECF244321}">
+                <p14:modId xmlns:p14="http://schemas.microsoft.com/office/powerpoint/2010/main" val="4109714617"/>
+              </p:ext>
+            </p:extLst>
+          </p:nvPr>
+        </p:nvGraphicFramePr>
+        <p:xfrm>
+          <a:off x="4972050" y="2270125"/>
+          <a:ext cx="114300" cy="177800"/>
+        </p:xfrm>
+        <a:graphic>
+          <a:graphicData uri="http://schemas.openxmlformats.org/presentationml/2006/ole">
+            <mc:AlternateContent xmlns:mc="http://schemas.openxmlformats.org/markup-compatibility/2006">
+              <mc:Choice xmlns:v="urn:schemas-microsoft-com:vml" Requires="v">
+                <p:oleObj spid="_x0000_s2070" name="Equation" r:id="rId4" imgW="114120" imgH="177480" progId="Equation.DSMT4">
+                  <p:embed/>
+                </p:oleObj>
+              </mc:Choice>
+              <mc:Fallback>
+                <p:oleObj name="Equation" r:id="rId4" imgW="114120" imgH="177480" progId="Equation.DSMT4">
+                  <p:embed/>
+                  <p:pic>
+                    <p:nvPicPr>
+                      <p:cNvPr id="0" name=""/>
+                      <p:cNvPicPr/>
+                      <p:nvPr/>
+                    </p:nvPicPr>
+                    <p:blipFill>
+                      <a:blip r:embed="rId5"/>
+                      <a:stretch>
+                        <a:fillRect/>
+                      </a:stretch>
+                    </p:blipFill>
+                    <p:spPr>
+                      <a:xfrm>
+                        <a:off x="4972050" y="2270125"/>
+                        <a:ext cx="114300" cy="177800"/>
+                      </a:xfrm>
+                      <a:prstGeom prst="rect">
+                        <a:avLst/>
+                      </a:prstGeom>
+                    </p:spPr>
+                  </p:pic>
+                </p:oleObj>
+              </mc:Fallback>
+            </mc:AlternateContent>
+          </a:graphicData>
+        </a:graphic>
+      </p:graphicFrame>
+      <mc:AlternateContent xmlns:mc="http://schemas.openxmlformats.org/markup-compatibility/2006">
+        <mc:Choice xmlns:a14="http://schemas.microsoft.com/office/drawing/2010/main" Requires="a14">
+          <p:sp>
+            <p:nvSpPr>
+              <p:cNvPr id="16" name="内容占位符 2"/>
+              <p:cNvSpPr txBox="1">
+                <a:spLocks/>
+              </p:cNvSpPr>
+              <p:nvPr/>
+            </p:nvSpPr>
+            <p:spPr>
+              <a:xfrm>
+                <a:off x="1371600" y="4230805"/>
+                <a:ext cx="9601200" cy="2210937"/>
+              </a:xfrm>
+              <a:prstGeom prst="rect">
+                <a:avLst/>
+              </a:prstGeom>
+            </p:spPr>
+            <p:txBody>
+              <a:bodyPr vert="horz" lIns="91440" tIns="45720" rIns="91440" bIns="45720" rtlCol="0">
+                <a:normAutofit fontScale="92500" lnSpcReduction="10000"/>
+              </a:bodyPr>
+              <a:lstStyle>
+                <a:lvl1pPr marL="384048" indent="-384048" algn="l" defTabSz="914400" rtl="0" eaLnBrk="1" latinLnBrk="0" hangingPunct="1">
+                  <a:lnSpc>
+                    <a:spcPct val="94000"/>
+                  </a:lnSpc>
+                  <a:spcBef>
+                    <a:spcPts val="1000"/>
+                  </a:spcBef>
+                  <a:spcAft>
+                    <a:spcPts val="200"/>
+                  </a:spcAft>
+                  <a:buFont typeface="Franklin Gothic Book" panose="020B0503020102020204" pitchFamily="34" charset="0"/>
+                  <a:buChar char="■"/>
+                  <a:defRPr sz="2000" kern="1200" baseline="0">
+                    <a:solidFill>
+                      <a:schemeClr val="tx2"/>
+                    </a:solidFill>
+                    <a:latin typeface="+mn-lt"/>
+                    <a:ea typeface="+mn-ea"/>
+                    <a:cs typeface="+mn-cs"/>
+                  </a:defRPr>
+                </a:lvl1pPr>
+                <a:lvl2pPr marL="914400" indent="-384048" algn="l" defTabSz="914400" rtl="0" eaLnBrk="1" latinLnBrk="0" hangingPunct="1">
+                  <a:lnSpc>
+                    <a:spcPct val="94000"/>
+                  </a:lnSpc>
+                  <a:spcBef>
+                    <a:spcPts val="500"/>
+                  </a:spcBef>
+                  <a:spcAft>
+                    <a:spcPts val="200"/>
+                  </a:spcAft>
+                  <a:buFont typeface="Franklin Gothic Book" panose="020B0503020102020204" pitchFamily="34" charset="0"/>
+                  <a:buChar char="–"/>
+                  <a:defRPr sz="2000" i="1" kern="1200" baseline="0">
+                    <a:solidFill>
+                      <a:schemeClr val="tx2"/>
+                    </a:solidFill>
+                    <a:latin typeface="+mn-lt"/>
+                    <a:ea typeface="+mn-ea"/>
+                    <a:cs typeface="+mn-cs"/>
+                  </a:defRPr>
+                </a:lvl2pPr>
+                <a:lvl3pPr marL="1371600" indent="-384048" algn="l" defTabSz="914400" rtl="0" eaLnBrk="1" latinLnBrk="0" hangingPunct="1">
+                  <a:lnSpc>
+                    <a:spcPct val="94000"/>
+                  </a:lnSpc>
+                  <a:spcBef>
+                    <a:spcPts val="500"/>
+                  </a:spcBef>
+                  <a:spcAft>
+                    <a:spcPts val="200"/>
+                  </a:spcAft>
+                  <a:buFont typeface="Franklin Gothic Book" panose="020B0503020102020204" pitchFamily="34" charset="0"/>
+                  <a:buChar char="■"/>
+                  <a:defRPr sz="1800" kern="1200" baseline="0">
+                    <a:solidFill>
+                      <a:schemeClr val="tx2"/>
+                    </a:solidFill>
+                    <a:latin typeface="+mn-lt"/>
+                    <a:ea typeface="+mn-ea"/>
+                    <a:cs typeface="+mn-cs"/>
+                  </a:defRPr>
+                </a:lvl3pPr>
+                <a:lvl4pPr marL="1828800" indent="-384048" algn="l" defTabSz="914400" rtl="0" eaLnBrk="1" latinLnBrk="0" hangingPunct="1">
+                  <a:lnSpc>
+                    <a:spcPct val="94000"/>
+                  </a:lnSpc>
+                  <a:spcBef>
+                    <a:spcPts val="500"/>
+                  </a:spcBef>
+                  <a:spcAft>
+                    <a:spcPts val="200"/>
+                  </a:spcAft>
+                  <a:buFont typeface="Franklin Gothic Book" panose="020B0503020102020204" pitchFamily="34" charset="0"/>
+                  <a:buChar char="–"/>
+                  <a:defRPr sz="1800" i="1" kern="1200" baseline="0">
+                    <a:solidFill>
+                      <a:schemeClr val="tx2"/>
+                    </a:solidFill>
+                    <a:latin typeface="+mn-lt"/>
+                    <a:ea typeface="+mn-ea"/>
+                    <a:cs typeface="+mn-cs"/>
+                  </a:defRPr>
+                </a:lvl4pPr>
+                <a:lvl5pPr marL="2286000" indent="-384048" algn="l" defTabSz="914400" rtl="0" eaLnBrk="1" latinLnBrk="0" hangingPunct="1">
+                  <a:lnSpc>
+                    <a:spcPct val="94000"/>
+                  </a:lnSpc>
+                  <a:spcBef>
+                    <a:spcPts val="500"/>
+                  </a:spcBef>
+                  <a:spcAft>
+                    <a:spcPts val="200"/>
+                  </a:spcAft>
+                  <a:buFont typeface="Franklin Gothic Book" panose="020B0503020102020204" pitchFamily="34" charset="0"/>
+                  <a:buChar char="■"/>
+                  <a:defRPr sz="1600" kern="1200" baseline="0">
+                    <a:solidFill>
+                      <a:schemeClr val="tx2"/>
+                    </a:solidFill>
+                    <a:latin typeface="+mn-lt"/>
+                    <a:ea typeface="+mn-ea"/>
+                    <a:cs typeface="+mn-cs"/>
+                  </a:defRPr>
+                </a:lvl5pPr>
+                <a:lvl6pPr marL="2743200" indent="-384048" algn="l" defTabSz="914400" rtl="0" eaLnBrk="1" latinLnBrk="0" hangingPunct="1">
+                  <a:lnSpc>
+                    <a:spcPct val="94000"/>
+                  </a:lnSpc>
+                  <a:spcBef>
+                    <a:spcPts val="500"/>
+                  </a:spcBef>
+                  <a:spcAft>
+                    <a:spcPts val="200"/>
+                  </a:spcAft>
+                  <a:buFont typeface="Franklin Gothic Book" panose="020B0503020102020204" pitchFamily="34" charset="0"/>
+                  <a:buChar char="–"/>
+                  <a:defRPr sz="1600" i="1" kern="1200" baseline="0">
+                    <a:solidFill>
+                      <a:schemeClr val="tx2"/>
+                    </a:solidFill>
+                    <a:latin typeface="+mn-lt"/>
+                    <a:ea typeface="+mn-ea"/>
+                    <a:cs typeface="+mn-cs"/>
+                  </a:defRPr>
+                </a:lvl6pPr>
+                <a:lvl7pPr marL="3200400" indent="-384048" algn="l" defTabSz="914400" rtl="0" eaLnBrk="1" latinLnBrk="0" hangingPunct="1">
+                  <a:lnSpc>
+                    <a:spcPct val="94000"/>
+                  </a:lnSpc>
+                  <a:spcBef>
+                    <a:spcPts val="500"/>
+                  </a:spcBef>
+                  <a:spcAft>
+                    <a:spcPts val="200"/>
+                  </a:spcAft>
+                  <a:buFont typeface="Franklin Gothic Book" panose="020B0503020102020204" pitchFamily="34" charset="0"/>
+                  <a:buChar char="■"/>
+                  <a:defRPr sz="1400" kern="1200" baseline="0">
+                    <a:solidFill>
+                      <a:schemeClr val="tx2"/>
+                    </a:solidFill>
+                    <a:latin typeface="+mn-lt"/>
+                    <a:ea typeface="+mn-ea"/>
+                    <a:cs typeface="+mn-cs"/>
+                  </a:defRPr>
+                </a:lvl7pPr>
+                <a:lvl8pPr marL="3657600" indent="-384048" algn="l" defTabSz="914400" rtl="0" eaLnBrk="1" latinLnBrk="0" hangingPunct="1">
+                  <a:lnSpc>
+                    <a:spcPct val="94000"/>
+                  </a:lnSpc>
+                  <a:spcBef>
+                    <a:spcPts val="500"/>
+                  </a:spcBef>
+                  <a:spcAft>
+                    <a:spcPts val="200"/>
+                  </a:spcAft>
+                  <a:buFont typeface="Franklin Gothic Book" panose="020B0503020102020204" pitchFamily="34" charset="0"/>
+                  <a:buChar char="–"/>
+                  <a:defRPr sz="1400" i="1" kern="1200" baseline="0">
+                    <a:solidFill>
+                      <a:schemeClr val="tx2"/>
+                    </a:solidFill>
+                    <a:latin typeface="+mn-lt"/>
+                    <a:ea typeface="+mn-ea"/>
+                    <a:cs typeface="+mn-cs"/>
+                  </a:defRPr>
+                </a:lvl8pPr>
+                <a:lvl9pPr marL="4114800" indent="-384048" algn="l" defTabSz="914400" rtl="0" eaLnBrk="1" latinLnBrk="0" hangingPunct="1">
+                  <a:lnSpc>
+                    <a:spcPct val="94000"/>
+                  </a:lnSpc>
+                  <a:spcBef>
+                    <a:spcPts val="500"/>
+                  </a:spcBef>
+                  <a:spcAft>
+                    <a:spcPts val="200"/>
+                  </a:spcAft>
+                  <a:buFont typeface="Franklin Gothic Book" panose="020B0503020102020204" pitchFamily="34" charset="0"/>
+                  <a:buChar char="■"/>
+                  <a:defRPr sz="1400" kern="1200" baseline="0">
+                    <a:solidFill>
+                      <a:schemeClr val="tx2"/>
+                    </a:solidFill>
+                    <a:latin typeface="+mn-lt"/>
+                    <a:ea typeface="+mn-ea"/>
+                    <a:cs typeface="+mn-cs"/>
+                  </a:defRPr>
+                </a:lvl9pPr>
+              </a:lstStyle>
+              <a:p>
+                <a:r>
+                  <a:rPr lang="zh-CN" altLang="en-US" dirty="0" smtClean="0"/>
+                  <a:t>将输入特征图按照通道数分成</a:t>
+                </a:r>
+                <a:r>
+                  <a:rPr lang="en-US" altLang="zh-CN" dirty="0"/>
+                  <a:t>g</a:t>
+                </a:r>
+                <a:r>
+                  <a:rPr lang="zh-CN" altLang="en-US" dirty="0" smtClean="0"/>
+                  <a:t>组</a:t>
+                </a:r>
+                <a:r>
+                  <a:rPr lang="en-US" altLang="zh-CN" dirty="0" smtClean="0"/>
+                  <a:t>,</a:t>
+                </a:r>
+                <a:r>
+                  <a:rPr lang="zh-CN" altLang="en-US" dirty="0"/>
+                  <a:t>则每组输入特征图的尺寸</a:t>
+                </a:r>
+                <a:r>
+                  <a:rPr lang="zh-CN" altLang="en-US" dirty="0" smtClean="0"/>
+                  <a:t>为</a:t>
+                </a:r>
+                <a14:m>
+                  <m:oMath xmlns:m="http://schemas.openxmlformats.org/officeDocument/2006/math">
+                    <m:r>
+                      <a:rPr lang="en-US" altLang="zh-CN" b="0" i="1" smtClean="0">
+                        <a:latin typeface="Cambria Math" panose="02040503050406030204" pitchFamily="18" charset="0"/>
+                      </a:rPr>
+                      <m:t>𝐻</m:t>
+                    </m:r>
+                    <m:r>
+                      <a:rPr lang="en-US" altLang="zh-CN" b="0" i="1" smtClean="0">
+                        <a:latin typeface="Cambria Math" panose="02040503050406030204" pitchFamily="18" charset="0"/>
+                      </a:rPr>
+                      <m:t>∗</m:t>
+                    </m:r>
+                    <m:r>
+                      <m:rPr>
+                        <m:sty m:val="p"/>
+                      </m:rPr>
+                      <a:rPr lang="en-US" altLang="zh-CN">
+                        <a:latin typeface="Cambria Math" panose="02040503050406030204" pitchFamily="18" charset="0"/>
+                      </a:rPr>
+                      <m:t>W</m:t>
+                    </m:r>
+                    <m:r>
+                      <a:rPr lang="en-US" altLang="zh-CN">
+                        <a:latin typeface="Cambria Math" panose="02040503050406030204" pitchFamily="18" charset="0"/>
+                      </a:rPr>
+                      <m:t> ∗</m:t>
+                    </m:r>
+                    <m:f>
+                      <m:fPr>
+                        <m:ctrlPr>
+                          <a:rPr lang="en-US" altLang="zh-CN" b="0" i="0" smtClean="0">
+                            <a:latin typeface="Cambria Math" panose="02040503050406030204" pitchFamily="18" charset="0"/>
+                          </a:rPr>
+                        </m:ctrlPr>
+                      </m:fPr>
+                      <m:num>
+                        <m:sSub>
+                          <m:sSubPr>
+                            <m:ctrlPr>
+                              <a:rPr lang="en-US" altLang="zh-CN" b="0" i="0" smtClean="0">
+                                <a:latin typeface="Cambria Math" panose="02040503050406030204" pitchFamily="18" charset="0"/>
+                              </a:rPr>
+                            </m:ctrlPr>
+                          </m:sSubPr>
+                          <m:e>
+                            <m:r>
+                              <m:rPr>
+                                <m:sty m:val="p"/>
+                              </m:rPr>
+                              <a:rPr lang="en-US" altLang="zh-CN" b="0" i="0" smtClean="0">
+                                <a:latin typeface="Cambria Math" panose="02040503050406030204" pitchFamily="18" charset="0"/>
+                              </a:rPr>
+                              <m:t>c</m:t>
+                            </m:r>
+                          </m:e>
+                          <m:sub>
+                            <m:r>
+                              <a:rPr lang="en-US" altLang="zh-CN" b="0" i="0" smtClean="0">
+                                <a:latin typeface="Cambria Math" panose="02040503050406030204" pitchFamily="18" charset="0"/>
+                              </a:rPr>
+                              <m:t>1</m:t>
+                            </m:r>
+                          </m:sub>
+                        </m:sSub>
+                      </m:num>
+                      <m:den>
+                        <m:r>
+                          <m:rPr>
+                            <m:sty m:val="p"/>
+                          </m:rPr>
+                          <a:rPr lang="en-US" altLang="zh-CN" b="0" i="0" smtClean="0">
+                            <a:latin typeface="Cambria Math" panose="02040503050406030204" pitchFamily="18" charset="0"/>
+                          </a:rPr>
+                          <m:t>g</m:t>
+                        </m:r>
+                      </m:den>
+                    </m:f>
+                  </m:oMath>
+                </a14:m>
+                <a:r>
+                  <a:rPr lang="en-US" altLang="zh-CN" b="0" dirty="0" smtClean="0"/>
+                  <a:t>,</a:t>
+                </a:r>
+                <a:r>
+                  <a:rPr lang="zh-CN" altLang="en-US" dirty="0"/>
+                  <a:t>对应的卷积核尺寸为</a:t>
+                </a:r>
+                <a14:m>
+                  <m:oMath xmlns:m="http://schemas.openxmlformats.org/officeDocument/2006/math">
+                    <m:r>
+                      <a:rPr lang="en-US" altLang="zh-CN" b="0" i="1" smtClean="0">
+                        <a:latin typeface="Cambria Math" panose="02040503050406030204" pitchFamily="18" charset="0"/>
+                      </a:rPr>
+                      <m:t>h</m:t>
+                    </m:r>
+                    <m:r>
+                      <a:rPr lang="en-US" altLang="zh-CN" i="1">
+                        <a:latin typeface="Cambria Math" panose="02040503050406030204" pitchFamily="18" charset="0"/>
+                      </a:rPr>
+                      <m:t>∗</m:t>
+                    </m:r>
+                    <m:r>
+                      <m:rPr>
+                        <m:sty m:val="p"/>
+                      </m:rPr>
+                      <a:rPr lang="en-US" altLang="zh-CN" b="0" i="0" smtClean="0">
+                        <a:latin typeface="Cambria Math" panose="02040503050406030204" pitchFamily="18" charset="0"/>
+                      </a:rPr>
+                      <m:t>w</m:t>
+                    </m:r>
+                    <m:r>
+                      <a:rPr lang="en-US" altLang="zh-CN">
+                        <a:latin typeface="Cambria Math" panose="02040503050406030204" pitchFamily="18" charset="0"/>
+                      </a:rPr>
+                      <m:t> ∗</m:t>
+                    </m:r>
+                    <m:f>
+                      <m:fPr>
+                        <m:ctrlPr>
+                          <a:rPr lang="en-US" altLang="zh-CN" i="1">
+                            <a:latin typeface="Cambria Math" panose="02040503050406030204" pitchFamily="18" charset="0"/>
+                          </a:rPr>
+                        </m:ctrlPr>
+                      </m:fPr>
+                      <m:num>
+                        <m:sSub>
+                          <m:sSubPr>
+                            <m:ctrlPr>
+                              <a:rPr lang="en-US" altLang="zh-CN" i="1">
+                                <a:latin typeface="Cambria Math" panose="02040503050406030204" pitchFamily="18" charset="0"/>
+                              </a:rPr>
+                            </m:ctrlPr>
+                          </m:sSubPr>
+                          <m:e>
+                            <m:r>
+                              <m:rPr>
+                                <m:sty m:val="p"/>
+                              </m:rPr>
+                              <a:rPr lang="en-US" altLang="zh-CN">
+                                <a:latin typeface="Cambria Math" panose="02040503050406030204" pitchFamily="18" charset="0"/>
+                              </a:rPr>
+                              <m:t>c</m:t>
+                            </m:r>
+                          </m:e>
+                          <m:sub>
+                            <m:r>
+                              <a:rPr lang="en-US" altLang="zh-CN">
+                                <a:latin typeface="Cambria Math" panose="02040503050406030204" pitchFamily="18" charset="0"/>
+                              </a:rPr>
+                              <m:t>1</m:t>
+                            </m:r>
+                          </m:sub>
+                        </m:sSub>
+                      </m:num>
+                      <m:den>
+                        <m:r>
+                          <m:rPr>
+                            <m:sty m:val="p"/>
+                          </m:rPr>
+                          <a:rPr lang="en-US" altLang="zh-CN">
+                            <a:latin typeface="Cambria Math" panose="02040503050406030204" pitchFamily="18" charset="0"/>
+                          </a:rPr>
+                          <m:t>g</m:t>
+                        </m:r>
+                      </m:den>
+                    </m:f>
+                  </m:oMath>
+                </a14:m>
+                <a:r>
+                  <a:rPr lang="en-US" altLang="zh-CN" b="0" dirty="0" smtClean="0"/>
+                  <a:t>,</a:t>
+                </a:r>
+                <a:r>
+                  <a:rPr lang="zh-CN" altLang="en-US" dirty="0"/>
+                  <a:t>每组输出特征图尺寸为</a:t>
+                </a:r>
+                <a14:m>
+                  <m:oMath xmlns:m="http://schemas.openxmlformats.org/officeDocument/2006/math">
+                    <m:r>
+                      <a:rPr lang="en-US" altLang="zh-CN" i="1">
+                        <a:latin typeface="Cambria Math" panose="02040503050406030204" pitchFamily="18" charset="0"/>
+                      </a:rPr>
+                      <m:t>𝐻</m:t>
+                    </m:r>
+                    <m:r>
+                      <a:rPr lang="en-US" altLang="zh-CN" i="1">
+                        <a:latin typeface="Cambria Math" panose="02040503050406030204" pitchFamily="18" charset="0"/>
+                      </a:rPr>
+                      <m:t>∗</m:t>
+                    </m:r>
+                    <m:r>
+                      <m:rPr>
+                        <m:sty m:val="p"/>
+                      </m:rPr>
+                      <a:rPr lang="en-US" altLang="zh-CN">
+                        <a:latin typeface="Cambria Math" panose="02040503050406030204" pitchFamily="18" charset="0"/>
+                      </a:rPr>
+                      <m:t>W</m:t>
+                    </m:r>
+                    <m:r>
+                      <a:rPr lang="en-US" altLang="zh-CN">
+                        <a:latin typeface="Cambria Math" panose="02040503050406030204" pitchFamily="18" charset="0"/>
+                      </a:rPr>
+                      <m:t> ∗</m:t>
+                    </m:r>
+                    <m:f>
+                      <m:fPr>
+                        <m:ctrlPr>
+                          <a:rPr lang="en-US" altLang="zh-CN" i="1">
+                            <a:latin typeface="Cambria Math" panose="02040503050406030204" pitchFamily="18" charset="0"/>
+                          </a:rPr>
+                        </m:ctrlPr>
+                      </m:fPr>
+                      <m:num>
+                        <m:sSub>
+                          <m:sSubPr>
+                            <m:ctrlPr>
+                              <a:rPr lang="en-US" altLang="zh-CN" i="1">
+                                <a:latin typeface="Cambria Math" panose="02040503050406030204" pitchFamily="18" charset="0"/>
+                              </a:rPr>
+                            </m:ctrlPr>
+                          </m:sSubPr>
+                          <m:e>
+                            <m:r>
+                              <m:rPr>
+                                <m:sty m:val="p"/>
+                              </m:rPr>
+                              <a:rPr lang="en-US" altLang="zh-CN">
+                                <a:latin typeface="Cambria Math" panose="02040503050406030204" pitchFamily="18" charset="0"/>
+                              </a:rPr>
+                              <m:t>c</m:t>
+                            </m:r>
+                          </m:e>
+                          <m:sub>
+                            <m:r>
+                              <a:rPr lang="en-US" altLang="zh-CN" b="0" i="0" smtClean="0">
+                                <a:latin typeface="Cambria Math" panose="02040503050406030204" pitchFamily="18" charset="0"/>
+                              </a:rPr>
+                              <m:t>2</m:t>
+                            </m:r>
+                          </m:sub>
+                        </m:sSub>
+                      </m:num>
+                      <m:den>
+                        <m:r>
+                          <m:rPr>
+                            <m:sty m:val="p"/>
+                          </m:rPr>
+                          <a:rPr lang="en-US" altLang="zh-CN">
+                            <a:latin typeface="Cambria Math" panose="02040503050406030204" pitchFamily="18" charset="0"/>
+                          </a:rPr>
+                          <m:t>g</m:t>
+                        </m:r>
+                      </m:den>
+                    </m:f>
+                  </m:oMath>
+                </a14:m>
+                <a:r>
+                  <a:rPr lang="en-US" altLang="zh-CN" b="0" dirty="0" smtClean="0"/>
+                  <a:t>,</a:t>
+                </a:r>
+                <a:r>
+                  <a:rPr lang="zh-CN" altLang="en-US" dirty="0"/>
+                  <a:t> </a:t>
+                </a:r>
+                <a:r>
+                  <a:rPr lang="zh-CN" altLang="en-US" dirty="0" smtClean="0"/>
+                  <a:t>将</a:t>
+                </a:r>
+                <a:r>
+                  <a:rPr lang="en-US" altLang="zh-CN" dirty="0" smtClean="0"/>
+                  <a:t>g</a:t>
+                </a:r>
+                <a:r>
+                  <a:rPr lang="zh-CN" altLang="en-US" dirty="0"/>
+                  <a:t>组结果拼接</a:t>
+                </a:r>
+                <a:r>
+                  <a:rPr lang="en-US" altLang="zh-CN" dirty="0"/>
+                  <a:t>(</a:t>
+                </a:r>
+                <a:r>
+                  <a:rPr lang="en-US" altLang="zh-CN" dirty="0" err="1"/>
+                  <a:t>concat</a:t>
+                </a:r>
+                <a:r>
+                  <a:rPr lang="en-US" altLang="zh-CN" dirty="0"/>
+                  <a:t>),</a:t>
+                </a:r>
+                <a:r>
+                  <a:rPr lang="zh-CN" altLang="en-US" dirty="0"/>
+                  <a:t>得到最终尺寸为 </a:t>
+                </a:r>
+                <a14:m>
+                  <m:oMath xmlns:m="http://schemas.openxmlformats.org/officeDocument/2006/math">
+                    <m:r>
+                      <a:rPr lang="en-US" altLang="zh-CN" i="1">
+                        <a:latin typeface="Cambria Math" panose="02040503050406030204" pitchFamily="18" charset="0"/>
+                      </a:rPr>
+                      <m:t>𝐻</m:t>
+                    </m:r>
+                    <m:r>
+                      <a:rPr lang="en-US" altLang="zh-CN" i="1">
+                        <a:latin typeface="Cambria Math" panose="02040503050406030204" pitchFamily="18" charset="0"/>
+                      </a:rPr>
+                      <m:t>∗</m:t>
+                    </m:r>
+                    <m:r>
+                      <m:rPr>
+                        <m:sty m:val="p"/>
+                      </m:rPr>
+                      <a:rPr lang="en-US" altLang="zh-CN">
+                        <a:latin typeface="Cambria Math" panose="02040503050406030204" pitchFamily="18" charset="0"/>
+                      </a:rPr>
+                      <m:t>W</m:t>
+                    </m:r>
+                    <m:r>
+                      <a:rPr lang="en-US" altLang="zh-CN">
+                        <a:latin typeface="Cambria Math" panose="02040503050406030204" pitchFamily="18" charset="0"/>
+                      </a:rPr>
+                      <m:t> ∗</m:t>
+                    </m:r>
+                    <m:sSub>
+                      <m:sSubPr>
+                        <m:ctrlPr>
+                          <a:rPr lang="en-US" altLang="zh-CN" i="1">
+                            <a:latin typeface="Cambria Math" panose="02040503050406030204" pitchFamily="18" charset="0"/>
+                          </a:rPr>
+                        </m:ctrlPr>
+                      </m:sSubPr>
+                      <m:e>
+                        <m:r>
+                          <m:rPr>
+                            <m:sty m:val="p"/>
+                          </m:rPr>
+                          <a:rPr lang="en-US" altLang="zh-CN">
+                            <a:latin typeface="Cambria Math" panose="02040503050406030204" pitchFamily="18" charset="0"/>
+                          </a:rPr>
+                          <m:t>c</m:t>
+                        </m:r>
+                      </m:e>
+                      <m:sub>
+                        <m:r>
+                          <a:rPr lang="en-US" altLang="zh-CN" i="1" smtClean="0">
+                            <a:latin typeface="Cambria Math" panose="02040503050406030204" pitchFamily="18" charset="0"/>
+                          </a:rPr>
+                          <m:t>2</m:t>
+                        </m:r>
+                      </m:sub>
+                    </m:sSub>
+                    <m:r>
+                      <a:rPr lang="zh-CN" altLang="en-US" i="1">
+                        <a:latin typeface="Cambria Math" panose="02040503050406030204" pitchFamily="18" charset="0"/>
+                      </a:rPr>
+                      <m:t>的输出特征图</m:t>
+                    </m:r>
+                  </m:oMath>
+                </a14:m>
+                <a:r>
+                  <a:rPr lang="zh-CN" altLang="en-US" dirty="0"/>
+                  <a:t>，分组卷积层的参数量</a:t>
+                </a:r>
+                <a:r>
+                  <a:rPr lang="zh-CN" altLang="en-US" dirty="0" smtClean="0"/>
+                  <a:t>为：</a:t>
+                </a:r>
+                <a:endParaRPr lang="en-US" altLang="zh-CN" dirty="0" smtClean="0"/>
+              </a:p>
+              <a:p>
+                <a:pPr marL="0" indent="0">
+                  <a:buNone/>
+                </a:pPr>
+                <a14:m>
+                  <m:oMathPara xmlns:m="http://schemas.openxmlformats.org/officeDocument/2006/math">
+                    <m:oMathParaPr>
+                      <m:jc m:val="centerGroup"/>
+                    </m:oMathParaPr>
+                    <m:oMath xmlns:m="http://schemas.openxmlformats.org/officeDocument/2006/math">
+                      <m:r>
+                        <a:rPr lang="en-US" altLang="zh-CN" i="1">
+                          <a:latin typeface="Cambria Math" panose="02040503050406030204" pitchFamily="18" charset="0"/>
+                        </a:rPr>
+                        <m:t>h</m:t>
+                      </m:r>
+                      <m:r>
+                        <a:rPr lang="en-US" altLang="zh-CN" i="1">
+                          <a:latin typeface="Cambria Math" panose="02040503050406030204" pitchFamily="18" charset="0"/>
+                        </a:rPr>
+                        <m:t>∗</m:t>
+                      </m:r>
+                      <m:r>
+                        <m:rPr>
+                          <m:sty m:val="p"/>
+                        </m:rPr>
+                        <a:rPr lang="en-US" altLang="zh-CN">
+                          <a:latin typeface="Cambria Math" panose="02040503050406030204" pitchFamily="18" charset="0"/>
+                        </a:rPr>
+                        <m:t>w</m:t>
+                      </m:r>
+                      <m:r>
+                        <a:rPr lang="en-US" altLang="zh-CN">
+                          <a:latin typeface="Cambria Math" panose="02040503050406030204" pitchFamily="18" charset="0"/>
+                        </a:rPr>
+                        <m:t> ∗</m:t>
+                      </m:r>
+                      <m:f>
+                        <m:fPr>
+                          <m:ctrlPr>
+                            <a:rPr lang="en-US" altLang="zh-CN" i="1">
+                              <a:latin typeface="Cambria Math" panose="02040503050406030204" pitchFamily="18" charset="0"/>
+                            </a:rPr>
+                          </m:ctrlPr>
+                        </m:fPr>
+                        <m:num>
+                          <m:sSub>
+                            <m:sSubPr>
+                              <m:ctrlPr>
+                                <a:rPr lang="en-US" altLang="zh-CN" i="1">
+                                  <a:latin typeface="Cambria Math" panose="02040503050406030204" pitchFamily="18" charset="0"/>
+                                </a:rPr>
+                              </m:ctrlPr>
+                            </m:sSubPr>
+                            <m:e>
+                              <m:r>
+                                <m:rPr>
+                                  <m:sty m:val="p"/>
+                                </m:rPr>
+                                <a:rPr lang="en-US" altLang="zh-CN">
+                                  <a:latin typeface="Cambria Math" panose="02040503050406030204" pitchFamily="18" charset="0"/>
+                                </a:rPr>
+                                <m:t>c</m:t>
+                              </m:r>
+                            </m:e>
+                            <m:sub>
+                              <m:r>
+                                <a:rPr lang="en-US" altLang="zh-CN">
+                                  <a:latin typeface="Cambria Math" panose="02040503050406030204" pitchFamily="18" charset="0"/>
+                                </a:rPr>
+                                <m:t>1</m:t>
+                              </m:r>
+                            </m:sub>
+                          </m:sSub>
+                        </m:num>
+                        <m:den>
+                          <m:r>
+                            <m:rPr>
+                              <m:sty m:val="p"/>
+                            </m:rPr>
+                            <a:rPr lang="en-US" altLang="zh-CN">
+                              <a:latin typeface="Cambria Math" panose="02040503050406030204" pitchFamily="18" charset="0"/>
+                            </a:rPr>
+                            <m:t>g</m:t>
+                          </m:r>
+                        </m:den>
+                      </m:f>
+                      <m:r>
+                        <a:rPr lang="zh-CN" altLang="en-US" i="1">
+                          <a:latin typeface="Cambria Math" panose="02040503050406030204" pitchFamily="18" charset="0"/>
+                        </a:rPr>
+                        <m:t>*</m:t>
+                      </m:r>
+                      <m:f>
+                        <m:fPr>
+                          <m:ctrlPr>
+                            <a:rPr lang="en-US" altLang="zh-CN" b="0" i="0" smtClean="0">
+                              <a:latin typeface="Cambria Math" panose="02040503050406030204" pitchFamily="18" charset="0"/>
+                            </a:rPr>
+                          </m:ctrlPr>
+                        </m:fPr>
+                        <m:num>
+                          <m:sSub>
+                            <m:sSubPr>
+                              <m:ctrlPr>
+                                <a:rPr lang="en-US" altLang="zh-CN" b="0" i="0" smtClean="0">
+                                  <a:latin typeface="Cambria Math" panose="02040503050406030204" pitchFamily="18" charset="0"/>
+                                </a:rPr>
+                              </m:ctrlPr>
+                            </m:sSubPr>
+                            <m:e>
+                              <m:r>
+                                <m:rPr>
+                                  <m:sty m:val="p"/>
+                                </m:rPr>
+                                <a:rPr lang="en-US" altLang="zh-CN" b="0" i="0" smtClean="0">
+                                  <a:latin typeface="Cambria Math" panose="02040503050406030204" pitchFamily="18" charset="0"/>
+                                </a:rPr>
+                                <m:t>c</m:t>
+                              </m:r>
+                            </m:e>
+                            <m:sub>
+                              <m:r>
+                                <a:rPr lang="en-US" altLang="zh-CN" b="0" i="0" smtClean="0">
+                                  <a:latin typeface="Cambria Math" panose="02040503050406030204" pitchFamily="18" charset="0"/>
+                                </a:rPr>
+                                <m:t>2</m:t>
+                              </m:r>
+                            </m:sub>
+                          </m:sSub>
+                        </m:num>
+                        <m:den>
+                          <m:r>
+                            <m:rPr>
+                              <m:sty m:val="p"/>
+                            </m:rPr>
+                            <a:rPr lang="en-US" altLang="zh-CN" b="0" i="0" smtClean="0">
+                              <a:latin typeface="Cambria Math" panose="02040503050406030204" pitchFamily="18" charset="0"/>
+                            </a:rPr>
+                            <m:t>g</m:t>
+                          </m:r>
+                        </m:den>
+                      </m:f>
+                      <m:r>
+                        <a:rPr lang="en-US" altLang="zh-CN" b="0" i="0" smtClean="0">
+                          <a:latin typeface="Cambria Math" panose="02040503050406030204" pitchFamily="18" charset="0"/>
+                        </a:rPr>
+                        <m:t>∗</m:t>
+                      </m:r>
+                      <m:r>
+                        <m:rPr>
+                          <m:sty m:val="p"/>
+                        </m:rPr>
+                        <a:rPr lang="en-US" altLang="zh-CN" b="0" i="0" smtClean="0">
+                          <a:latin typeface="Cambria Math" panose="02040503050406030204" pitchFamily="18" charset="0"/>
+                        </a:rPr>
+                        <m:t>g</m:t>
+                      </m:r>
+                      <m:r>
+                        <a:rPr lang="en-US" altLang="zh-CN" b="0" i="0" smtClean="0">
+                          <a:latin typeface="Cambria Math" panose="02040503050406030204" pitchFamily="18" charset="0"/>
+                        </a:rPr>
+                        <m:t>=</m:t>
+                      </m:r>
+                      <m:sSub>
+                        <m:sSubPr>
+                          <m:ctrlPr>
+                            <a:rPr lang="en-US" altLang="zh-CN" b="0" i="0" smtClean="0">
+                              <a:latin typeface="Cambria Math" panose="02040503050406030204" pitchFamily="18" charset="0"/>
+                            </a:rPr>
+                          </m:ctrlPr>
+                        </m:sSubPr>
+                        <m:e>
+                          <m:r>
+                            <m:rPr>
+                              <m:sty m:val="p"/>
+                            </m:rPr>
+                            <a:rPr lang="en-US" altLang="zh-CN" b="0" i="0" smtClean="0">
+                              <a:latin typeface="Cambria Math" panose="02040503050406030204" pitchFamily="18" charset="0"/>
+                            </a:rPr>
+                            <m:t>h</m:t>
+                          </m:r>
+                        </m:e>
+                        <m:sub>
+                          <m:r>
+                            <a:rPr lang="en-US" altLang="zh-CN" b="0" i="0" smtClean="0">
+                              <a:latin typeface="Cambria Math" panose="02040503050406030204" pitchFamily="18" charset="0"/>
+                            </a:rPr>
+                            <m:t>1</m:t>
+                          </m:r>
+                        </m:sub>
+                      </m:sSub>
+                      <m:r>
+                        <a:rPr lang="en-US" altLang="zh-CN" b="0" i="0" smtClean="0">
+                          <a:latin typeface="Cambria Math" panose="02040503050406030204" pitchFamily="18" charset="0"/>
+                        </a:rPr>
+                        <m:t>∗</m:t>
+                      </m:r>
+                      <m:sSub>
+                        <m:sSubPr>
+                          <m:ctrlPr>
+                            <a:rPr lang="en-US" altLang="zh-CN" b="0" i="0" smtClean="0">
+                              <a:latin typeface="Cambria Math" panose="02040503050406030204" pitchFamily="18" charset="0"/>
+                            </a:rPr>
+                          </m:ctrlPr>
+                        </m:sSubPr>
+                        <m:e>
+                          <m:r>
+                            <m:rPr>
+                              <m:sty m:val="p"/>
+                            </m:rPr>
+                            <a:rPr lang="en-US" altLang="zh-CN" b="0" i="0" smtClean="0">
+                              <a:latin typeface="Cambria Math" panose="02040503050406030204" pitchFamily="18" charset="0"/>
+                            </a:rPr>
+                            <m:t>w</m:t>
+                          </m:r>
+                        </m:e>
+                        <m:sub>
+                          <m:r>
+                            <a:rPr lang="en-US" altLang="zh-CN" b="0" i="0" smtClean="0">
+                              <a:latin typeface="Cambria Math" panose="02040503050406030204" pitchFamily="18" charset="0"/>
+                            </a:rPr>
+                            <m:t>1</m:t>
+                          </m:r>
+                        </m:sub>
+                      </m:sSub>
+                      <m:r>
+                        <a:rPr lang="en-US" altLang="zh-CN" b="0" i="0" smtClean="0">
+                          <a:latin typeface="Cambria Math" panose="02040503050406030204" pitchFamily="18" charset="0"/>
+                        </a:rPr>
+                        <m:t>∗</m:t>
+                      </m:r>
+                      <m:sSub>
+                        <m:sSubPr>
+                          <m:ctrlPr>
+                            <a:rPr lang="en-US" altLang="zh-CN" b="0" i="0" smtClean="0">
+                              <a:latin typeface="Cambria Math" panose="02040503050406030204" pitchFamily="18" charset="0"/>
+                            </a:rPr>
+                          </m:ctrlPr>
+                        </m:sSubPr>
+                        <m:e>
+                          <m:r>
+                            <m:rPr>
+                              <m:sty m:val="p"/>
+                            </m:rPr>
+                            <a:rPr lang="en-US" altLang="zh-CN" b="0" i="0" smtClean="0">
+                              <a:latin typeface="Cambria Math" panose="02040503050406030204" pitchFamily="18" charset="0"/>
+                            </a:rPr>
+                            <m:t>c</m:t>
+                          </m:r>
+                        </m:e>
+                        <m:sub>
+                          <m:r>
+                            <a:rPr lang="en-US" altLang="zh-CN" b="0" i="0" smtClean="0">
+                              <a:latin typeface="Cambria Math" panose="02040503050406030204" pitchFamily="18" charset="0"/>
+                            </a:rPr>
+                            <m:t>1</m:t>
+                          </m:r>
+                        </m:sub>
+                      </m:sSub>
+                      <m:r>
+                        <a:rPr lang="en-US" altLang="zh-CN" b="0" i="0" smtClean="0">
+                          <a:latin typeface="Cambria Math" panose="02040503050406030204" pitchFamily="18" charset="0"/>
+                        </a:rPr>
+                        <m:t>∗</m:t>
+                      </m:r>
+                      <m:sSub>
+                        <m:sSubPr>
+                          <m:ctrlPr>
+                            <a:rPr lang="en-US" altLang="zh-CN" b="0" i="0" smtClean="0">
+                              <a:latin typeface="Cambria Math" panose="02040503050406030204" pitchFamily="18" charset="0"/>
+                            </a:rPr>
+                          </m:ctrlPr>
+                        </m:sSubPr>
+                        <m:e>
+                          <m:r>
+                            <m:rPr>
+                              <m:sty m:val="p"/>
+                            </m:rPr>
+                            <a:rPr lang="en-US" altLang="zh-CN" b="0" i="0" smtClean="0">
+                              <a:latin typeface="Cambria Math" panose="02040503050406030204" pitchFamily="18" charset="0"/>
+                            </a:rPr>
+                            <m:t>c</m:t>
+                          </m:r>
+                        </m:e>
+                        <m:sub>
+                          <m:r>
+                            <a:rPr lang="en-US" altLang="zh-CN" b="0" i="0" smtClean="0">
+                              <a:latin typeface="Cambria Math" panose="02040503050406030204" pitchFamily="18" charset="0"/>
+                            </a:rPr>
+                            <m:t>2</m:t>
+                          </m:r>
+                        </m:sub>
+                      </m:sSub>
+                      <m:r>
+                        <a:rPr lang="en-US" altLang="zh-CN" b="0" i="0" smtClean="0">
+                          <a:latin typeface="Cambria Math" panose="02040503050406030204" pitchFamily="18" charset="0"/>
+                        </a:rPr>
+                        <m:t> ∗</m:t>
+                      </m:r>
+                      <m:f>
+                        <m:fPr>
+                          <m:ctrlPr>
+                            <a:rPr lang="en-US" altLang="zh-CN" b="0" i="0" smtClean="0">
+                              <a:latin typeface="Cambria Math" panose="02040503050406030204" pitchFamily="18" charset="0"/>
+                            </a:rPr>
+                          </m:ctrlPr>
+                        </m:fPr>
+                        <m:num>
+                          <m:r>
+                            <a:rPr lang="en-US" altLang="zh-CN" b="0" i="0" smtClean="0">
+                              <a:latin typeface="Cambria Math" panose="02040503050406030204" pitchFamily="18" charset="0"/>
+                            </a:rPr>
+                            <m:t>1</m:t>
+                          </m:r>
+                        </m:num>
+                        <m:den>
+                          <m:r>
+                            <m:rPr>
+                              <m:sty m:val="p"/>
+                            </m:rPr>
+                            <a:rPr lang="en-US" altLang="zh-CN" b="0" i="0" smtClean="0">
+                              <a:latin typeface="Cambria Math" panose="02040503050406030204" pitchFamily="18" charset="0"/>
+                            </a:rPr>
+                            <m:t>g</m:t>
+                          </m:r>
+                        </m:den>
+                      </m:f>
+                    </m:oMath>
+                  </m:oMathPara>
+                </a14:m>
+                <a:endParaRPr lang="en-US" altLang="zh-CN" b="0" dirty="0" smtClean="0"/>
+              </a:p>
+              <a:p>
+                <a:pPr marL="0" indent="0">
+                  <a:buNone/>
+                </a:pPr>
+                <a:r>
+                  <a:rPr lang="zh-CN" altLang="en-US" dirty="0"/>
+                  <a:t>总参数量减少为原来的</a:t>
+                </a:r>
+                <a14:m>
+                  <m:oMath xmlns:m="http://schemas.openxmlformats.org/officeDocument/2006/math">
+                    <m:f>
+                      <m:fPr>
+                        <m:ctrlPr>
+                          <a:rPr lang="en-US" altLang="zh-CN" i="1">
+                            <a:latin typeface="Cambria Math" panose="02040503050406030204" pitchFamily="18" charset="0"/>
+                          </a:rPr>
+                        </m:ctrlPr>
+                      </m:fPr>
+                      <m:num>
+                        <m:r>
+                          <a:rPr lang="en-US" altLang="zh-CN">
+                            <a:latin typeface="Cambria Math" panose="02040503050406030204" pitchFamily="18" charset="0"/>
+                          </a:rPr>
+                          <m:t>1</m:t>
+                        </m:r>
+                      </m:num>
+                      <m:den>
+                        <m:r>
+                          <m:rPr>
+                            <m:sty m:val="p"/>
+                          </m:rPr>
+                          <a:rPr lang="en-US" altLang="zh-CN">
+                            <a:latin typeface="Cambria Math" panose="02040503050406030204" pitchFamily="18" charset="0"/>
+                          </a:rPr>
+                          <m:t>g</m:t>
+                        </m:r>
+                      </m:den>
+                    </m:f>
+                  </m:oMath>
+                </a14:m>
+                <a:endParaRPr lang="en-US" altLang="zh-CN" b="0" dirty="0" smtClean="0"/>
+              </a:p>
+              <a:p>
+                <a:pPr marL="0" indent="0">
+                  <a:buNone/>
+                </a:pPr>
+                <a:endParaRPr lang="zh-CN" altLang="en-US" u="sng" dirty="0"/>
+              </a:p>
+            </p:txBody>
+          </p:sp>
+        </mc:Choice>
+        <mc:Fallback>
+          <p:sp>
+            <p:nvSpPr>
+              <p:cNvPr id="16" name="内容占位符 2"/>
+              <p:cNvSpPr txBox="1">
+                <a:spLocks noRot="1" noChangeAspect="1" noMove="1" noResize="1" noEditPoints="1" noAdjustHandles="1" noChangeArrowheads="1" noChangeShapeType="1" noTextEdit="1"/>
+              </p:cNvSpPr>
+              <p:nvPr/>
+            </p:nvSpPr>
+            <p:spPr>
+              <a:xfrm>
+                <a:off x="1371600" y="4230805"/>
+                <a:ext cx="9601200" cy="2210937"/>
+              </a:xfrm>
+              <a:prstGeom prst="rect">
+                <a:avLst/>
+              </a:prstGeom>
+              <a:blipFill>
+                <a:blip r:embed="rId6"/>
+                <a:stretch>
+                  <a:fillRect l="-571" t="-2479"/>
+                </a:stretch>
+              </a:blipFill>
+            </p:spPr>
+            <p:txBody>
+              <a:bodyPr/>
+              <a:lstStyle/>
+              <a:p>
+                <a:r>
+                  <a:rPr lang="zh-CN" altLang="en-US">
+                    <a:noFill/>
+                  </a:rPr>
+                  <a:t> </a:t>
+                </a:r>
+              </a:p>
+            </p:txBody>
+          </p:sp>
+        </mc:Fallback>
+      </mc:AlternateContent>
+    </p:spTree>
+    <p:extLst>
+      <p:ext uri="{BB962C8B-B14F-4D97-AF65-F5344CB8AC3E}">
+        <p14:creationId xmlns:p14="http://schemas.microsoft.com/office/powerpoint/2010/main" val="2163544558"/>
+      </p:ext>
+    </p:extLst>
+  </p:cSld>
+  <p:clrMapOvr>
+    <a:masterClrMapping/>
+  </p:clrMapOvr>
+  <p:timing>
+    <p:tnLst>
+      <p:par>
+        <p:cTn id="1" dur="indefinite" restart="never" nodeType="tmRoot"/>
+      </p:par>
+    </p:tnLst>
+  </p:timing>
+</p:sld>
+</file>
+
+<file path=ppt/slides/slide7.xml><?xml version="1.0" encoding="utf-8"?>
+<p:sld xmlns:a="http://schemas.openxmlformats.org/drawingml/2006/main" xmlns:r="http://schemas.openxmlformats.org/officeDocument/2006/relationships" xmlns:p="http://schemas.openxmlformats.org/presentationml/2006/main">
+  <p:cSld>
+    <p:spTree>
+      <p:nvGrpSpPr>
+        <p:cNvPr id="1" name=""/>
+        <p:cNvGrpSpPr/>
+        <p:nvPr/>
+      </p:nvGrpSpPr>
+      <p:grpSpPr>
+        <a:xfrm>
+          <a:off x="0" y="0"/>
+          <a:ext cx="0" cy="0"/>
+          <a:chOff x="0" y="0"/>
+          <a:chExt cx="0" cy="0"/>
+        </a:xfrm>
+      </p:grpSpPr>
+      <p:sp>
+        <p:nvSpPr>
+          <p:cNvPr id="2" name="标题 1"/>
+          <p:cNvSpPr>
+            <a:spLocks noGrp="1"/>
+          </p:cNvSpPr>
+          <p:nvPr>
+            <p:ph type="title"/>
+          </p:nvPr>
+        </p:nvSpPr>
+        <p:spPr/>
+        <p:txBody>
+          <a:bodyPr/>
+          <a:lstStyle/>
+          <a:p>
+            <a:r>
+              <a:rPr lang="en-US" altLang="zh-CN" dirty="0"/>
+              <a:t>Tricks</a:t>
+            </a:r>
+            <a:r>
+              <a:rPr lang="zh-CN" altLang="en-US" dirty="0"/>
+              <a:t>：从</a:t>
+            </a:r>
+            <a:r>
+              <a:rPr lang="en-US" altLang="zh-CN" dirty="0"/>
+              <a:t>bottleneck</a:t>
+            </a:r>
+            <a:r>
+              <a:rPr lang="zh-CN" altLang="en-US" dirty="0"/>
+              <a:t>到</a:t>
+            </a:r>
+            <a:r>
+              <a:rPr lang="en-US" altLang="zh-CN" b="1" dirty="0" err="1"/>
+              <a:t>ResneSt</a:t>
+            </a:r>
+            <a:r>
+              <a:rPr lang="en-US" altLang="zh-CN" b="1" dirty="0"/>
+              <a:t> Block</a:t>
+            </a:r>
+            <a:r>
+              <a:rPr lang="zh-CN" altLang="en-US" b="1" dirty="0"/>
+              <a:t>的思路</a:t>
+            </a:r>
+            <a:r>
+              <a:rPr lang="zh-CN" altLang="en-US" b="1" dirty="0" smtClean="0"/>
+              <a:t>过程</a:t>
+            </a:r>
+            <a:endParaRPr lang="zh-CN" altLang="en-US" dirty="0"/>
+          </a:p>
+        </p:txBody>
+      </p:sp>
+      <p:sp>
+        <p:nvSpPr>
+          <p:cNvPr id="3" name="内容占位符 2"/>
+          <p:cNvSpPr>
+            <a:spLocks noGrp="1"/>
+          </p:cNvSpPr>
+          <p:nvPr>
+            <p:ph idx="1"/>
+          </p:nvPr>
+        </p:nvSpPr>
+        <p:spPr/>
+        <p:txBody>
+          <a:bodyPr>
+            <a:normAutofit fontScale="70000" lnSpcReduction="20000"/>
+          </a:bodyPr>
+          <a:lstStyle/>
+          <a:p>
+            <a:pPr marL="0" indent="0">
+              <a:buNone/>
+            </a:pPr>
+            <a:r>
+              <a:rPr lang="en-US" altLang="zh-CN" dirty="0" smtClean="0"/>
+              <a:t>1. </a:t>
+            </a:r>
+            <a:r>
+              <a:rPr lang="en-US" altLang="zh-CN" dirty="0" err="1" smtClean="0"/>
+              <a:t>ResneSt</a:t>
+            </a:r>
+            <a:r>
+              <a:rPr lang="en-US" altLang="zh-CN" dirty="0" smtClean="0"/>
+              <a:t> block</a:t>
+            </a:r>
+          </a:p>
+          <a:p>
+            <a:pPr marL="0" indent="0">
+              <a:buNone/>
+            </a:pPr>
+            <a:r>
+              <a:rPr lang="en-US" altLang="zh-CN" dirty="0" smtClean="0"/>
+              <a:t>2. </a:t>
+            </a:r>
+            <a:r>
+              <a:rPr lang="zh-CN" altLang="en-US" dirty="0" smtClean="0"/>
+              <a:t>增加</a:t>
+            </a:r>
+            <a:r>
+              <a:rPr lang="en-US" altLang="zh-CN" dirty="0"/>
+              <a:t>cardinal</a:t>
+            </a:r>
+            <a:r>
+              <a:rPr lang="en-US" altLang="zh-CN" dirty="0"/>
+              <a:t> </a:t>
+            </a:r>
+            <a:r>
+              <a:rPr lang="en-US" altLang="zh-CN" dirty="0" smtClean="0"/>
+              <a:t>block</a:t>
+            </a:r>
+          </a:p>
+          <a:p>
+            <a:pPr marL="0" indent="0">
+              <a:buNone/>
+            </a:pPr>
+            <a:r>
+              <a:rPr lang="zh-CN" altLang="en-US" dirty="0" smtClean="0"/>
+              <a:t>能够获得进度提升</a:t>
+            </a:r>
+            <a:endParaRPr lang="en-US" altLang="zh-CN" dirty="0" smtClean="0"/>
+          </a:p>
+          <a:p>
+            <a:pPr marL="0" indent="0">
+              <a:buNone/>
+            </a:pPr>
+            <a:r>
+              <a:rPr lang="en-US" altLang="zh-CN" dirty="0" smtClean="0"/>
+              <a:t>3.</a:t>
+            </a:r>
+            <a:r>
+              <a:rPr lang="zh-CN" altLang="en-US" dirty="0"/>
+              <a:t>每个</a:t>
+            </a:r>
+            <a:r>
+              <a:rPr lang="en-US" altLang="zh-CN" dirty="0"/>
+              <a:t>block</a:t>
+            </a:r>
+            <a:r>
+              <a:rPr lang="zh-CN" altLang="en-US" dirty="0"/>
+              <a:t>都将</a:t>
+            </a:r>
+            <a:r>
+              <a:rPr lang="zh-CN" altLang="en-US" dirty="0" smtClean="0"/>
+              <a:t>特征</a:t>
+            </a:r>
+            <a:endParaRPr lang="en-US" altLang="zh-CN" dirty="0" smtClean="0"/>
+          </a:p>
+          <a:p>
+            <a:pPr marL="0" indent="0">
+              <a:buNone/>
+            </a:pPr>
+            <a:r>
+              <a:rPr lang="zh-CN" altLang="en-US" dirty="0" smtClean="0"/>
+              <a:t>图</a:t>
+            </a:r>
+            <a:r>
+              <a:rPr lang="zh-CN" altLang="en-US" dirty="0"/>
+              <a:t>分为几组（沿通道维数</a:t>
+            </a:r>
+            <a:r>
+              <a:rPr lang="zh-CN" altLang="en-US" dirty="0" smtClean="0"/>
+              <a:t>）</a:t>
+            </a:r>
+            <a:endParaRPr lang="en-US" altLang="zh-CN" dirty="0" smtClean="0"/>
+          </a:p>
+          <a:p>
+            <a:pPr marL="0" indent="0">
+              <a:buNone/>
+            </a:pPr>
+            <a:r>
+              <a:rPr lang="zh-CN" altLang="en-US" dirty="0" smtClean="0"/>
+              <a:t>和</a:t>
+            </a:r>
+            <a:r>
+              <a:rPr lang="zh-CN" altLang="en-US" dirty="0"/>
+              <a:t>更细粒度的子</a:t>
+            </a:r>
+            <a:r>
+              <a:rPr lang="zh-CN" altLang="en-US" dirty="0" smtClean="0"/>
+              <a:t>组</a:t>
+            </a:r>
+            <a:endParaRPr lang="en-US" altLang="zh-CN" dirty="0" smtClean="0"/>
+          </a:p>
+          <a:p>
+            <a:pPr marL="0" indent="0">
+              <a:buNone/>
+            </a:pPr>
+            <a:r>
+              <a:rPr lang="en-US" altLang="zh-CN" dirty="0" smtClean="0"/>
+              <a:t>4 </a:t>
+            </a:r>
+            <a:r>
+              <a:rPr lang="zh-CN" altLang="en-US" dirty="0" smtClean="0"/>
+              <a:t>每个</a:t>
+            </a:r>
+            <a:r>
+              <a:rPr lang="en-US" altLang="zh-CN" dirty="0"/>
+              <a:t>cardinal </a:t>
+            </a:r>
+            <a:r>
+              <a:rPr lang="en-US" altLang="zh-CN" dirty="0" smtClean="0"/>
+              <a:t>block</a:t>
+            </a:r>
+            <a:r>
+              <a:rPr lang="zh-CN" altLang="en-US" dirty="0" smtClean="0"/>
+              <a:t>分为</a:t>
+            </a:r>
+            <a:r>
+              <a:rPr lang="en-US" altLang="zh-CN" dirty="0" smtClean="0"/>
+              <a:t>r</a:t>
+            </a:r>
+            <a:r>
+              <a:rPr lang="zh-CN" altLang="en-US" dirty="0" smtClean="0"/>
+              <a:t>组</a:t>
+            </a:r>
+            <a:endParaRPr lang="en-US" altLang="zh-CN" dirty="0" smtClean="0"/>
+          </a:p>
+          <a:p>
+            <a:pPr marL="0" indent="0">
+              <a:buNone/>
+            </a:pPr>
+            <a:r>
+              <a:rPr lang="zh-CN" altLang="en-US" dirty="0" smtClean="0"/>
+              <a:t>所以计算量上升</a:t>
+            </a:r>
+            <a:r>
+              <a:rPr lang="en-US" altLang="zh-CN" dirty="0" smtClean="0"/>
+              <a:t>r</a:t>
+            </a:r>
+            <a:r>
+              <a:rPr lang="zh-CN" altLang="en-US" dirty="0" smtClean="0"/>
+              <a:t>倍，与</a:t>
+            </a:r>
+            <a:r>
+              <a:rPr lang="en-US" altLang="zh-CN" dirty="0" err="1" smtClean="0"/>
+              <a:t>resnet</a:t>
+            </a:r>
+            <a:endParaRPr lang="en-US" altLang="zh-CN" dirty="0" smtClean="0"/>
+          </a:p>
+          <a:p>
+            <a:pPr marL="0" indent="0">
+              <a:buNone/>
+            </a:pPr>
+            <a:r>
+              <a:rPr lang="zh-CN" altLang="en-US" dirty="0"/>
+              <a:t>复杂</a:t>
+            </a:r>
+            <a:r>
+              <a:rPr lang="zh-CN" altLang="en-US" dirty="0" smtClean="0"/>
+              <a:t>度近似</a:t>
+            </a:r>
+            <a:endParaRPr lang="en-US" altLang="zh-CN" dirty="0"/>
+          </a:p>
+          <a:p>
+            <a:pPr marL="0" indent="0">
+              <a:buNone/>
+            </a:pPr>
+            <a:endParaRPr lang="en-US" altLang="zh-CN" dirty="0" smtClean="0"/>
+          </a:p>
+          <a:p>
+            <a:pPr marL="0" indent="0">
+              <a:buNone/>
+            </a:pPr>
+            <a:r>
+              <a:rPr lang="en-US" altLang="zh-CN" dirty="0"/>
+              <a:t/>
+            </a:r>
+            <a:br>
+              <a:rPr lang="en-US" altLang="zh-CN" dirty="0"/>
+            </a:br>
+            <a:endParaRPr lang="zh-CN" altLang="en-US" dirty="0"/>
+          </a:p>
+        </p:txBody>
+      </p:sp>
+      <p:pic>
+        <p:nvPicPr>
+          <p:cNvPr id="6" name="图片 5"/>
+          <p:cNvPicPr>
+            <a:picLocks noChangeAspect="1"/>
+          </p:cNvPicPr>
+          <p:nvPr/>
+        </p:nvPicPr>
+        <p:blipFill>
+          <a:blip r:embed="rId2"/>
+          <a:stretch>
+            <a:fillRect/>
+          </a:stretch>
+        </p:blipFill>
+        <p:spPr>
+          <a:xfrm>
+            <a:off x="4698006" y="1595997"/>
+            <a:ext cx="6845199" cy="5009519"/>
+          </a:xfrm>
+          <a:prstGeom prst="rect">
+            <a:avLst/>
+          </a:prstGeom>
+        </p:spPr>
+      </p:pic>
+    </p:spTree>
+    <p:extLst>
+      <p:ext uri="{BB962C8B-B14F-4D97-AF65-F5344CB8AC3E}">
+        <p14:creationId xmlns:p14="http://schemas.microsoft.com/office/powerpoint/2010/main" val="397689567"/>
+      </p:ext>
+    </p:extLst>
+  </p:cSld>
+  <p:clrMapOvr>
+    <a:masterClrMapping/>
+  </p:clrMapOvr>
+  <p:timing>
+    <p:tnLst>
+      <p:par>
+        <p:cTn id="1" dur="indefinite" restart="never" nodeType="tmRoot"/>
+      </p:par>
+    </p:tnLst>
+  </p:timing>
+</p:sld>
+</file>
+
+<file path=ppt/slides/slide8.xml><?xml version="1.0" encoding="utf-8"?>
+<p:sld xmlns:a="http://schemas.openxmlformats.org/drawingml/2006/main" xmlns:r="http://schemas.openxmlformats.org/officeDocument/2006/relationships" xmlns:p="http://schemas.openxmlformats.org/presentationml/2006/main">
+  <p:cSld>
+    <p:spTree>
+      <p:nvGrpSpPr>
+        <p:cNvPr id="1" name=""/>
+        <p:cNvGrpSpPr/>
+        <p:nvPr/>
+      </p:nvGrpSpPr>
+      <p:grpSpPr>
+        <a:xfrm>
+          <a:off x="0" y="0"/>
+          <a:ext cx="0" cy="0"/>
+          <a:chOff x="0" y="0"/>
+          <a:chExt cx="0" cy="0"/>
+        </a:xfrm>
+      </p:grpSpPr>
+      <p:sp>
+        <p:nvSpPr>
+          <p:cNvPr id="2" name="标题 1"/>
+          <p:cNvSpPr>
+            <a:spLocks noGrp="1"/>
+          </p:cNvSpPr>
+          <p:nvPr>
+            <p:ph type="title"/>
+          </p:nvPr>
+        </p:nvSpPr>
+        <p:spPr/>
+        <p:txBody>
+          <a:bodyPr/>
+          <a:lstStyle/>
+          <a:p>
+            <a:r>
+              <a:rPr lang="en-US" altLang="zh-CN" b="1" dirty="0"/>
+              <a:t>Split Attention</a:t>
+            </a:r>
+            <a:r>
+              <a:rPr lang="en-US" altLang="zh-CN" dirty="0"/>
+              <a:t> </a:t>
+            </a:r>
+            <a:r>
+              <a:rPr lang="en-US" altLang="zh-CN" dirty="0" smtClean="0"/>
+              <a:t>block</a:t>
+            </a:r>
+            <a:r>
+              <a:rPr lang="zh-CN" altLang="en-US" dirty="0" smtClean="0"/>
+              <a:t>（</a:t>
+            </a:r>
+            <a:r>
+              <a:rPr lang="en-US" altLang="zh-CN" dirty="0" smtClean="0"/>
+              <a:t>SE-net</a:t>
+            </a:r>
+            <a:r>
+              <a:rPr lang="zh-CN" altLang="en-US" dirty="0" smtClean="0"/>
+              <a:t>）</a:t>
+            </a:r>
+            <a:r>
+              <a:rPr lang="en-US" altLang="zh-CN" dirty="0"/>
+              <a:t/>
+            </a:r>
+            <a:br>
+              <a:rPr lang="en-US" altLang="zh-CN" dirty="0"/>
+            </a:br>
+            <a:endParaRPr lang="zh-CN" altLang="en-US" dirty="0"/>
+          </a:p>
+        </p:txBody>
+      </p:sp>
+      <p:sp>
+        <p:nvSpPr>
+          <p:cNvPr id="3" name="内容占位符 2"/>
+          <p:cNvSpPr>
+            <a:spLocks noGrp="1"/>
+          </p:cNvSpPr>
+          <p:nvPr>
+            <p:ph idx="1"/>
+          </p:nvPr>
+        </p:nvSpPr>
+        <p:spPr/>
+        <p:txBody>
+          <a:bodyPr/>
+          <a:lstStyle/>
+          <a:p>
+            <a:r>
+              <a:rPr lang="zh-CN" altLang="en-US" dirty="0"/>
+              <a:t>基于通道的注意力机制，对通道赋予不同的权重以建模通道的重要</a:t>
+            </a:r>
+            <a:r>
+              <a:rPr lang="zh-CN" altLang="en-US" dirty="0" smtClean="0"/>
+              <a:t>程度</a:t>
+            </a:r>
+            <a:endParaRPr lang="en-US" altLang="zh-CN" dirty="0" smtClean="0"/>
+          </a:p>
+          <a:p>
+            <a:r>
+              <a:rPr lang="zh-CN" altLang="en-US" dirty="0"/>
+              <a:t>借鉴</a:t>
+            </a:r>
+            <a:r>
+              <a:rPr lang="zh-CN" altLang="en-US" dirty="0" smtClean="0"/>
+              <a:t>了</a:t>
+            </a:r>
+            <a:r>
+              <a:rPr lang="en-US" altLang="zh-CN" dirty="0" smtClean="0"/>
+              <a:t>SK-net</a:t>
+            </a:r>
+            <a:r>
+              <a:rPr lang="zh-CN" altLang="en-US" dirty="0" smtClean="0"/>
+              <a:t>的思路</a:t>
+            </a:r>
+            <a:endParaRPr lang="zh-CN" altLang="en-US" dirty="0"/>
+          </a:p>
+        </p:txBody>
+      </p:sp>
+      <p:pic>
+        <p:nvPicPr>
+          <p:cNvPr id="3076" name="Picture 4" descr="http://img.mp.itc.cn/upload/20170802/247d198e8ef64a7fa040887b6f0ee0e0_th.jpg"/>
           <p:cNvPicPr>
             <a:picLocks noChangeAspect="1" noChangeArrowheads="1"/>
           </p:cNvPicPr>
@@ -4800,8 +7530,90 @@
         </p:blipFill>
         <p:spPr bwMode="auto">
           <a:xfrm>
-            <a:off x="1311828" y="2605087"/>
-            <a:ext cx="9720743" cy="2943225"/>
+            <a:off x="4393620" y="2746982"/>
+            <a:ext cx="6960842" cy="3907431"/>
+          </a:xfrm>
+          <a:prstGeom prst="rect">
+            <a:avLst/>
+          </a:prstGeom>
+          <a:noFill/>
+          <a:extLst>
+            <a:ext uri="{909E8E84-426E-40DD-AFC4-6F175D3DCCD1}">
+              <a14:hiddenFill xmlns:a14="http://schemas.microsoft.com/office/drawing/2010/main">
+                <a:solidFill>
+                  <a:srgbClr val="FFFFFF"/>
+                </a:solidFill>
+              </a14:hiddenFill>
+            </a:ext>
+          </a:extLst>
+        </p:spPr>
+      </p:pic>
+      <p:pic>
+        <p:nvPicPr>
+          <p:cNvPr id="3078" name="Picture 6" descr="seq2"/>
+          <p:cNvPicPr>
+            <a:picLocks noChangeAspect="1" noChangeArrowheads="1"/>
+          </p:cNvPicPr>
+          <p:nvPr/>
+        </p:nvPicPr>
+        <p:blipFill>
+          <a:blip r:embed="rId3">
+            <a:extLst>
+              <a:ext uri="{28A0092B-C50C-407E-A947-70E740481C1C}">
+                <a14:useLocalDpi xmlns:a14="http://schemas.microsoft.com/office/drawing/2010/main" val="0"/>
+              </a:ext>
+            </a:extLst>
+          </a:blip>
+          <a:srcRect/>
+          <a:stretch>
+            <a:fillRect/>
+          </a:stretch>
+        </p:blipFill>
+        <p:spPr bwMode="auto">
+          <a:xfrm>
+            <a:off x="1251435" y="4992414"/>
+            <a:ext cx="3041223" cy="609600"/>
+          </a:xfrm>
+          <a:prstGeom prst="rect">
+            <a:avLst/>
+          </a:prstGeom>
+          <a:noFill/>
+          <a:extLst>
+            <a:ext uri="{909E8E84-426E-40DD-AFC4-6F175D3DCCD1}">
+              <a14:hiddenFill xmlns:a14="http://schemas.microsoft.com/office/drawing/2010/main">
+                <a:solidFill>
+                  <a:srgbClr val="FFFFFF"/>
+                </a:solidFill>
+              </a14:hiddenFill>
+            </a:ext>
+          </a:extLst>
+        </p:spPr>
+      </p:pic>
+      <p:pic>
+        <p:nvPicPr>
+          <p:cNvPr id="3082" name="Picture 10" descr="seq3"/>
+          <p:cNvPicPr>
+            <a:picLocks noChangeAspect="1" noChangeArrowheads="1"/>
+          </p:cNvPicPr>
+          <p:nvPr/>
+        </p:nvPicPr>
+        <p:blipFill>
+          <a:blip r:embed="rId4">
+            <a:extLst>
+              <a:ext uri="{28A0092B-C50C-407E-A947-70E740481C1C}">
+                <a14:useLocalDpi xmlns:a14="http://schemas.microsoft.com/office/drawing/2010/main" val="0"/>
+              </a:ext>
+            </a:extLst>
+          </a:blip>
+          <a:srcRect/>
+          <a:stretch>
+            <a:fillRect/>
+          </a:stretch>
+        </p:blipFill>
+        <p:spPr bwMode="auto">
+          <a:xfrm>
+            <a:off x="1251435" y="6201313"/>
+            <a:ext cx="2997528" cy="216088"/>
           </a:xfrm>
           <a:prstGeom prst="rect">
             <a:avLst/>
@@ -4821,17 +7633,24 @@
     </p:spTree>
     <p:extLst>
       <p:ext uri="{BB962C8B-B14F-4D97-AF65-F5344CB8AC3E}">
-        <p14:creationId xmlns:p14="http://schemas.microsoft.com/office/powerpoint/2010/main" val="2517714853"/>
+        <p14:creationId xmlns:p14="http://schemas.microsoft.com/office/powerpoint/2010/main" val="1807186636"/>
       </p:ext>
     </p:extLst>
   </p:cSld>
   <p:clrMapOvr>
     <a:masterClrMapping/>
   </p:clrMapOvr>
+  <p:timing>
+    <p:tnLst>
+      <p:par>
+        <p:cTn id="1" dur="indefinite" restart="never" nodeType="tmRoot"/>
+      </p:par>
+    </p:tnLst>
+  </p:timing>
 </p:sld>
 </file>
 
-<file path=ppt/slides/slide5.xml><?xml version="1.0" encoding="utf-8"?>
+<file path=ppt/slides/slide9.xml><?xml version="1.0" encoding="utf-8"?>
 <p:sld xmlns:a="http://schemas.openxmlformats.org/drawingml/2006/main" xmlns:r="http://schemas.openxmlformats.org/officeDocument/2006/relationships" xmlns:p="http://schemas.openxmlformats.org/presentationml/2006/main">
   <p:cSld>
     <p:spTree>
@@ -4860,171 +7679,351 @@
         </p:nvSpPr>
         <p:spPr/>
         <p:txBody>
+          <a:bodyPr>
+            <a:normAutofit/>
+          </a:bodyPr>
+          <a:lstStyle/>
+          <a:p>
+            <a:r>
+              <a:rPr lang="zh-CN" altLang="en-US" dirty="0" smtClean="0"/>
+              <a:t>注意力机制在</a:t>
+            </a:r>
+            <a:r>
+              <a:rPr lang="en-US" altLang="zh-CN" dirty="0" err="1" smtClean="0"/>
+              <a:t>ResNeSt</a:t>
+            </a:r>
+            <a:r>
+              <a:rPr lang="zh-CN" altLang="en-US" dirty="0" smtClean="0"/>
+              <a:t>分组中的实现</a:t>
+            </a:r>
+            <a:r>
+              <a:rPr lang="zh-CN" altLang="en-US" dirty="0"/>
+              <a:t/>
+            </a:r>
+            <a:br>
+              <a:rPr lang="zh-CN" altLang="en-US" dirty="0"/>
+            </a:br>
+            <a:endParaRPr lang="zh-CN" altLang="en-US" dirty="0"/>
+          </a:p>
+        </p:txBody>
+      </p:sp>
+      <p:sp>
+        <p:nvSpPr>
+          <p:cNvPr id="3" name="内容占位符 2"/>
+          <p:cNvSpPr>
+            <a:spLocks noGrp="1"/>
+          </p:cNvSpPr>
+          <p:nvPr>
+            <p:ph idx="1"/>
+          </p:nvPr>
+        </p:nvSpPr>
+        <p:spPr/>
+        <p:txBody>
           <a:bodyPr/>
           <a:lstStyle/>
           <a:p>
             <a:r>
-              <a:rPr lang="zh-CN" altLang="en-US" b="1" dirty="0"/>
-              <a:t>借鉴</a:t>
-            </a:r>
-            <a:r>
-              <a:rPr lang="en-US" altLang="zh-CN" b="1" dirty="0" err="1"/>
-              <a:t>ResNeXt</a:t>
+              <a:rPr lang="zh-CN" altLang="en-US" dirty="0" smtClean="0"/>
+              <a:t>将</a:t>
+            </a:r>
+            <a:r>
+              <a:rPr lang="zh-CN" altLang="en-US" dirty="0"/>
+              <a:t>该</a:t>
+            </a:r>
+            <a:r>
+              <a:rPr lang="en-US" altLang="zh-CN" dirty="0"/>
+              <a:t>cardinality group</a:t>
+            </a:r>
+            <a:r>
+              <a:rPr lang="zh-CN" altLang="en-US" dirty="0"/>
+              <a:t>的</a:t>
+            </a:r>
+            <a:r>
+              <a:rPr lang="zh-CN" altLang="en-US" dirty="0" smtClean="0"/>
+              <a:t>输入</a:t>
+            </a:r>
+            <a:r>
+              <a:rPr lang="zh-CN" altLang="en-US" dirty="0"/>
+              <a:t>分成</a:t>
+            </a:r>
+            <a:r>
+              <a:rPr lang="en-US" altLang="zh-CN" dirty="0"/>
+              <a:t>r</a:t>
+            </a:r>
+            <a:r>
+              <a:rPr lang="zh-CN" altLang="en-US" dirty="0"/>
+              <a:t>个</a:t>
+            </a:r>
+            <a:r>
+              <a:rPr lang="en-US" altLang="zh-CN" dirty="0" smtClean="0"/>
+              <a:t>split</a:t>
+            </a:r>
+          </a:p>
+          <a:p>
+            <a:r>
+              <a:rPr lang="zh-CN" altLang="en-US" dirty="0"/>
+              <a:t>先用</a:t>
+            </a:r>
+            <a:r>
+              <a:rPr lang="en-US" altLang="zh-CN" dirty="0"/>
+              <a:t>element-wise sum</a:t>
+            </a:r>
+            <a:r>
+              <a:rPr lang="zh-CN" altLang="en-US" dirty="0"/>
+              <a:t>的方式将特征图融合到</a:t>
+            </a:r>
+            <a:r>
+              <a:rPr lang="zh-CN" altLang="en-US" dirty="0" smtClean="0"/>
+              <a:t>一起</a:t>
+            </a:r>
+            <a:endParaRPr lang="en-US" altLang="zh-CN" dirty="0" smtClean="0"/>
+          </a:p>
+          <a:p>
+            <a:r>
+              <a:rPr lang="zh-CN" altLang="en-US" dirty="0"/>
+              <a:t>将融合后的</a:t>
+            </a:r>
+            <a:r>
+              <a:rPr lang="en-US" altLang="zh-CN" dirty="0"/>
+              <a:t>feature </a:t>
+            </a:r>
+            <a:r>
+              <a:rPr lang="en-US" altLang="zh-CN" dirty="0" smtClean="0"/>
+              <a:t>map</a:t>
+            </a:r>
+            <a:r>
+              <a:rPr lang="zh-CN" altLang="en-US" dirty="0" smtClean="0"/>
+              <a:t>进行图像</a:t>
+            </a:r>
+            <a:r>
+              <a:rPr lang="zh-CN" altLang="en-US" dirty="0"/>
+              <a:t>空间维度</a:t>
+            </a:r>
+            <a:r>
+              <a:rPr lang="zh-CN" altLang="en-US" dirty="0" smtClean="0"/>
+              <a:t>压缩（</a:t>
+            </a:r>
+            <a:r>
+              <a:rPr lang="en-US" altLang="zh-CN" dirty="0" smtClean="0"/>
+              <a:t>GAP</a:t>
+            </a:r>
+            <a:r>
+              <a:rPr lang="zh-CN" altLang="en-US" dirty="0" smtClean="0"/>
+              <a:t>）</a:t>
+            </a:r>
+            <a:endParaRPr lang="en-US" altLang="zh-CN" dirty="0" smtClean="0"/>
+          </a:p>
+          <a:p>
+            <a:r>
+              <a:rPr lang="zh-CN" altLang="en-US" dirty="0"/>
+              <a:t>结合</a:t>
+            </a:r>
+            <a:r>
+              <a:rPr lang="en-US" altLang="zh-CN" dirty="0" err="1"/>
+              <a:t>softmax</a:t>
+            </a:r>
+            <a:r>
+              <a:rPr lang="zh-CN" altLang="en-US" dirty="0"/>
+              <a:t>计算出每个</a:t>
+            </a:r>
+            <a:r>
+              <a:rPr lang="en-US" altLang="zh-CN" dirty="0"/>
+              <a:t>split</a:t>
+            </a:r>
+            <a:r>
+              <a:rPr lang="zh-CN" altLang="en-US" dirty="0"/>
+              <a:t>的</a:t>
+            </a:r>
+            <a:r>
+              <a:rPr lang="zh-CN" altLang="en-US" dirty="0" smtClean="0"/>
+              <a:t>权重</a:t>
+            </a:r>
+            <a:endParaRPr lang="en-US" altLang="zh-CN" dirty="0" smtClean="0"/>
+          </a:p>
+          <a:p>
+            <a:r>
+              <a:rPr lang="en-US" altLang="zh-CN" dirty="0"/>
+              <a:t>dense </a:t>
+            </a:r>
+            <a:r>
+              <a:rPr lang="en-US" altLang="zh-CN" dirty="0" smtClean="0"/>
+              <a:t>c</a:t>
+            </a:r>
+            <a:r>
+              <a:rPr lang="zh-CN" altLang="en-US" dirty="0" smtClean="0"/>
+              <a:t>代表两个全连接层</a:t>
+            </a:r>
+            <a:endParaRPr lang="en-US" altLang="zh-CN" dirty="0" smtClean="0"/>
+          </a:p>
+          <a:p>
+            <a:r>
+              <a:rPr lang="zh-CN" altLang="en-US" dirty="0" smtClean="0"/>
+              <a:t>将模块</a:t>
+            </a:r>
+            <a:r>
+              <a:rPr lang="zh-CN" altLang="en-US" dirty="0"/>
+              <a:t>输入的</a:t>
+            </a:r>
+            <a:r>
+              <a:rPr lang="zh-CN" altLang="en-US" dirty="0" smtClean="0"/>
+              <a:t>每个</a:t>
+            </a:r>
+            <a:r>
+              <a:rPr lang="en-US" altLang="zh-CN" dirty="0" smtClean="0"/>
+              <a:t>feature </a:t>
+            </a:r>
+            <a:r>
+              <a:rPr lang="en-US" altLang="zh-CN" dirty="0"/>
+              <a:t>map</a:t>
+            </a:r>
+            <a:r>
+              <a:rPr lang="zh-CN" altLang="en-US" dirty="0" smtClean="0"/>
+              <a:t>和每个</a:t>
+            </a:r>
+            <a:r>
+              <a:rPr lang="en-US" altLang="zh-CN" dirty="0"/>
+              <a:t>split</a:t>
+            </a:r>
+            <a:r>
+              <a:rPr lang="zh-CN" altLang="en-US" dirty="0"/>
+              <a:t>的权重</a:t>
+            </a:r>
+            <a:r>
+              <a:rPr lang="zh-CN" altLang="en-US" dirty="0" smtClean="0"/>
+              <a:t>相乘</a:t>
+            </a:r>
+            <a:endParaRPr lang="en-US" altLang="zh-CN" dirty="0" smtClean="0"/>
+          </a:p>
+          <a:p>
+            <a:r>
+              <a:rPr lang="zh-CN" altLang="en-US" dirty="0"/>
+              <a:t>得到一个</a:t>
+            </a:r>
+            <a:r>
+              <a:rPr lang="en-US" altLang="zh-CN" dirty="0"/>
+              <a:t>cardinality group</a:t>
+            </a:r>
+            <a:r>
+              <a:rPr lang="zh-CN" altLang="en-US" dirty="0" smtClean="0"/>
+              <a:t>的注意力权重</a:t>
             </a:r>
             <a:endParaRPr lang="zh-CN" altLang="en-US" dirty="0"/>
           </a:p>
         </p:txBody>
       </p:sp>
-      <p:sp>
-        <p:nvSpPr>
-          <p:cNvPr id="3" name="内容占位符 2"/>
-          <p:cNvSpPr>
-            <a:spLocks noGrp="1"/>
-          </p:cNvSpPr>
-          <p:nvPr>
-            <p:ph idx="1"/>
-          </p:nvPr>
-        </p:nvSpPr>
-        <p:spPr/>
-        <p:txBody>
-          <a:bodyPr/>
-          <a:lstStyle/>
-          <a:p>
-            <a:r>
-              <a:rPr lang="zh-CN" altLang="en-US" dirty="0" smtClean="0"/>
-              <a:t>介于</a:t>
-            </a:r>
-            <a:r>
-              <a:rPr lang="zh-CN" altLang="en-US" dirty="0"/>
-              <a:t>普通</a:t>
-            </a:r>
-            <a:r>
-              <a:rPr lang="zh-CN" altLang="en-US" dirty="0" smtClean="0"/>
-              <a:t>卷积和深度</a:t>
-            </a:r>
-            <a:r>
-              <a:rPr lang="zh-CN" altLang="en-US" dirty="0"/>
-              <a:t>可分离卷积的这种策略：分组卷积，他通过控制分组的数量（基数）来达到两种策略的平衡</a:t>
-            </a:r>
-            <a:r>
-              <a:rPr lang="zh-CN" altLang="en-US" dirty="0" smtClean="0"/>
-              <a:t>。</a:t>
-            </a:r>
-            <a:endParaRPr lang="en-US" altLang="zh-CN" dirty="0" smtClean="0"/>
-          </a:p>
-          <a:p>
-            <a:r>
-              <a:rPr lang="zh-CN" altLang="en-US" dirty="0"/>
-              <a:t>用一种平行堆叠相同拓扑结构的</a:t>
-            </a:r>
-            <a:r>
-              <a:rPr lang="en-US" altLang="zh-CN" dirty="0"/>
-              <a:t>blocks</a:t>
-            </a:r>
-            <a:r>
-              <a:rPr lang="zh-CN" altLang="en-US" dirty="0"/>
-              <a:t>代替原来 </a:t>
-            </a:r>
-            <a:r>
-              <a:rPr lang="en-US" altLang="zh-CN" dirty="0" err="1"/>
-              <a:t>ResNet</a:t>
-            </a:r>
-            <a:r>
-              <a:rPr lang="en-US" altLang="zh-CN" dirty="0"/>
-              <a:t> </a:t>
-            </a:r>
-            <a:r>
-              <a:rPr lang="zh-CN" altLang="en-US" dirty="0"/>
-              <a:t>的三层卷积的</a:t>
-            </a:r>
-            <a:r>
-              <a:rPr lang="en-US" altLang="zh-CN" dirty="0"/>
-              <a:t>block</a:t>
-            </a:r>
-          </a:p>
-          <a:p>
-            <a:endParaRPr lang="zh-CN" altLang="en-US" dirty="0"/>
-          </a:p>
-        </p:txBody>
-      </p:sp>
+      <p:pic>
+        <p:nvPicPr>
+          <p:cNvPr id="5" name="图片 4"/>
+          <p:cNvPicPr>
+            <a:picLocks noChangeAspect="1"/>
+          </p:cNvPicPr>
+          <p:nvPr/>
+        </p:nvPicPr>
+        <p:blipFill>
+          <a:blip r:embed="rId2"/>
+          <a:stretch>
+            <a:fillRect/>
+          </a:stretch>
+        </p:blipFill>
+        <p:spPr>
+          <a:xfrm>
+            <a:off x="1371600" y="5391209"/>
+            <a:ext cx="2980952" cy="952381"/>
+          </a:xfrm>
+          <a:prstGeom prst="rect">
+            <a:avLst/>
+          </a:prstGeom>
+        </p:spPr>
+      </p:pic>
+      <p:pic>
+        <p:nvPicPr>
+          <p:cNvPr id="6" name="图片 5"/>
+          <p:cNvPicPr>
+            <a:picLocks noChangeAspect="1"/>
+          </p:cNvPicPr>
+          <p:nvPr/>
+        </p:nvPicPr>
+        <p:blipFill>
+          <a:blip r:embed="rId3"/>
+          <a:stretch>
+            <a:fillRect/>
+          </a:stretch>
+        </p:blipFill>
+        <p:spPr>
+          <a:xfrm>
+            <a:off x="4352552" y="5414856"/>
+            <a:ext cx="3700010" cy="993804"/>
+          </a:xfrm>
+          <a:prstGeom prst="rect">
+            <a:avLst/>
+          </a:prstGeom>
+        </p:spPr>
+      </p:pic>
+      <p:pic>
+        <p:nvPicPr>
+          <p:cNvPr id="4" name="图片 3"/>
+          <p:cNvPicPr>
+            <a:picLocks noChangeAspect="1"/>
+          </p:cNvPicPr>
+          <p:nvPr/>
+        </p:nvPicPr>
+        <p:blipFill>
+          <a:blip r:embed="rId4"/>
+          <a:stretch>
+            <a:fillRect/>
+          </a:stretch>
+        </p:blipFill>
+        <p:spPr>
+          <a:xfrm>
+            <a:off x="7940627" y="1428750"/>
+            <a:ext cx="4018135" cy="4774658"/>
+          </a:xfrm>
+          <a:prstGeom prst="rect">
+            <a:avLst/>
+          </a:prstGeom>
+        </p:spPr>
+      </p:pic>
+      <p:pic>
+        <p:nvPicPr>
+          <p:cNvPr id="7" name="图片 6"/>
+          <p:cNvPicPr>
+            <a:picLocks noChangeAspect="1"/>
+          </p:cNvPicPr>
+          <p:nvPr/>
+        </p:nvPicPr>
+        <p:blipFill>
+          <a:blip r:embed="rId5"/>
+          <a:stretch>
+            <a:fillRect/>
+          </a:stretch>
+        </p:blipFill>
+        <p:spPr>
+          <a:xfrm>
+            <a:off x="10820419" y="2724174"/>
+            <a:ext cx="304762" cy="380952"/>
+          </a:xfrm>
+          <a:prstGeom prst="rect">
+            <a:avLst/>
+          </a:prstGeom>
+        </p:spPr>
+      </p:pic>
     </p:spTree>
     <p:extLst>
       <p:ext uri="{BB962C8B-B14F-4D97-AF65-F5344CB8AC3E}">
-        <p14:creationId xmlns:p14="http://schemas.microsoft.com/office/powerpoint/2010/main" val="2208898333"/>
+        <p14:creationId xmlns:p14="http://schemas.microsoft.com/office/powerpoint/2010/main" val="1243186221"/>
       </p:ext>
     </p:extLst>
   </p:cSld>
   <p:clrMapOvr>
     <a:masterClrMapping/>
   </p:clrMapOvr>
-</p:sld>
-</file>
-
-<file path=ppt/slides/slide6.xml><?xml version="1.0" encoding="utf-8"?>
-<p:sld xmlns:a="http://schemas.openxmlformats.org/drawingml/2006/main" xmlns:r="http://schemas.openxmlformats.org/officeDocument/2006/relationships" xmlns:p="http://schemas.openxmlformats.org/presentationml/2006/main">
-  <p:cSld>
-    <p:spTree>
-      <p:nvGrpSpPr>
-        <p:cNvPr id="1" name=""/>
-        <p:cNvGrpSpPr/>
-        <p:nvPr/>
-      </p:nvGrpSpPr>
-      <p:grpSpPr>
-        <a:xfrm>
-          <a:off x="0" y="0"/>
-          <a:ext cx="0" cy="0"/>
-          <a:chOff x="0" y="0"/>
-          <a:chExt cx="0" cy="0"/>
-        </a:xfrm>
-      </p:grpSpPr>
-      <p:sp>
-        <p:nvSpPr>
-          <p:cNvPr id="2" name="标题 1"/>
-          <p:cNvSpPr>
-            <a:spLocks noGrp="1"/>
-          </p:cNvSpPr>
-          <p:nvPr>
-            <p:ph type="title"/>
-          </p:nvPr>
-        </p:nvSpPr>
-        <p:spPr/>
-        <p:txBody>
-          <a:bodyPr/>
-          <a:lstStyle/>
-          <a:p>
-            <a:endParaRPr lang="zh-CN" altLang="en-US"/>
-          </a:p>
-        </p:txBody>
-      </p:sp>
-      <p:sp>
-        <p:nvSpPr>
-          <p:cNvPr id="3" name="内容占位符 2"/>
-          <p:cNvSpPr>
-            <a:spLocks noGrp="1"/>
-          </p:cNvSpPr>
-          <p:nvPr>
-            <p:ph idx="1"/>
-          </p:nvPr>
-        </p:nvSpPr>
-        <p:spPr/>
-        <p:txBody>
-          <a:bodyPr/>
-          <a:lstStyle/>
-          <a:p>
-            <a:endParaRPr lang="zh-CN" altLang="en-US"/>
-          </a:p>
-        </p:txBody>
-      </p:sp>
-    </p:spTree>
-    <p:extLst>
-      <p:ext uri="{BB962C8B-B14F-4D97-AF65-F5344CB8AC3E}">
-        <p14:creationId xmlns:p14="http://schemas.microsoft.com/office/powerpoint/2010/main" val="2421746522"/>
-      </p:ext>
-    </p:extLst>
-  </p:cSld>
-  <p:clrMapOvr>
-    <a:masterClrMapping/>
-  </p:clrMapOvr>
+  <p:timing>
+    <p:tnLst>
+      <p:par>
+        <p:cTn id="1" dur="indefinite" restart="never" nodeType="tmRoot"/>
+      </p:par>
+    </p:tnLst>
+  </p:timing>
 </p:sld>
 </file>
 
